--- a/PPT Presentasi Akhir.pptx
+++ b/PPT Presentasi Akhir.pptx
@@ -5,22 +5,16 @@
     <p:sldMasterId id="2147483654" r:id="rId1"/>
   </p:sldMasterIdLst>
   <p:notesMasterIdLst>
-    <p:notesMasterId r:id="rId15"/>
+    <p:notesMasterId r:id="rId9"/>
   </p:notesMasterIdLst>
   <p:sldIdLst>
     <p:sldId id="256" r:id="rId2"/>
     <p:sldId id="257" r:id="rId3"/>
-    <p:sldId id="258" r:id="rId4"/>
-    <p:sldId id="259" r:id="rId5"/>
-    <p:sldId id="260" r:id="rId6"/>
-    <p:sldId id="261" r:id="rId7"/>
-    <p:sldId id="262" r:id="rId8"/>
-    <p:sldId id="267" r:id="rId9"/>
-    <p:sldId id="268" r:id="rId10"/>
-    <p:sldId id="263" r:id="rId11"/>
-    <p:sldId id="264" r:id="rId12"/>
-    <p:sldId id="269" r:id="rId13"/>
-    <p:sldId id="266" r:id="rId14"/>
+    <p:sldId id="267" r:id="rId4"/>
+    <p:sldId id="270" r:id="rId5"/>
+    <p:sldId id="268" r:id="rId6"/>
+    <p:sldId id="266" r:id="rId7"/>
+    <p:sldId id="269" r:id="rId8"/>
   </p:sldIdLst>
   <p:sldSz cx="9144000" cy="5143500" type="screen16x9"/>
   <p:notesSz cx="6858000" cy="9144000"/>
@@ -226,7 +220,27 @@
       </a:defRPr>
     </a:lvl9pPr>
   </p:defaultTextStyle>
+  <p:extLst>
+    <p:ext uri="{EFAFB233-063F-42B5-8137-9DF3F51BA10A}">
+      <p15:sldGuideLst xmlns:p15="http://schemas.microsoft.com/office/powerpoint/2012/main" xmlns="">
+        <p15:guide id="1" orient="horz" pos="1620">
+          <p15:clr>
+            <a:srgbClr val="A4A3A4"/>
+          </p15:clr>
+        </p15:guide>
+        <p15:guide id="2" pos="2880">
+          <p15:clr>
+            <a:srgbClr val="A4A3A4"/>
+          </p15:clr>
+        </p15:guide>
+      </p15:sldGuideLst>
+    </p:ext>
+  </p:extLst>
 </p:presentation>
+</file>
+
+<file path=ppt/revisionInfo.xml><?xml version="1.0" encoding="utf-8"?>
+<p1510:revInfo xmlns:a="http://schemas.openxmlformats.org/drawingml/2006/main" xmlns:r="http://schemas.openxmlformats.org/officeDocument/2006/relationships" xmlns:p1510="http://schemas.microsoft.com/office/powerpoint/2015/10/main"/>
 </file>
 
 <file path=ppt/notesMasters/notesMaster1.xml><?xml version="1.0" encoding="utf-8"?>
@@ -602,450 +616,6 @@
 </p:notes>
 </file>
 
-<file path=ppt/notesSlides/notesSlide10.xml><?xml version="1.0" encoding="utf-8"?>
-<p:notes xmlns:a="http://schemas.openxmlformats.org/drawingml/2006/main" xmlns:r="http://schemas.openxmlformats.org/officeDocument/2006/relationships" xmlns:p="http://schemas.openxmlformats.org/presentationml/2006/main" showMasterSp="0" showMasterPhAnim="0">
-  <p:cSld>
-    <p:spTree>
-      <p:nvGrpSpPr>
-        <p:cNvPr id="1" name="Shape 96"/>
-        <p:cNvGrpSpPr/>
-        <p:nvPr/>
-      </p:nvGrpSpPr>
-      <p:grpSpPr>
-        <a:xfrm>
-          <a:off x="0" y="0"/>
-          <a:ext cx="0" cy="0"/>
-          <a:chOff x="0" y="0"/>
-          <a:chExt cx="0" cy="0"/>
-        </a:xfrm>
-      </p:grpSpPr>
-      <p:sp>
-        <p:nvSpPr>
-          <p:cNvPr id="97" name="Shape 97"/>
-          <p:cNvSpPr>
-            <a:spLocks noGrp="1" noRot="1" noChangeAspect="1"/>
-          </p:cNvSpPr>
-          <p:nvPr>
-            <p:ph type="sldImg" idx="2"/>
-          </p:nvPr>
-        </p:nvSpPr>
-        <p:spPr>
-          <a:xfrm>
-            <a:off x="381000" y="685800"/>
-            <a:ext cx="6096000" cy="3429000"/>
-          </a:xfrm>
-          <a:custGeom>
-            <a:avLst/>
-            <a:gdLst/>
-            <a:ahLst/>
-            <a:cxnLst/>
-            <a:rect l="0" t="0" r="0" b="0"/>
-            <a:pathLst>
-              <a:path w="120000" h="120000" extrusionOk="0">
-                <a:moveTo>
-                  <a:pt x="0" y="0"/>
-                </a:moveTo>
-                <a:lnTo>
-                  <a:pt x="120000" y="0"/>
-                </a:lnTo>
-                <a:lnTo>
-                  <a:pt x="120000" y="120000"/>
-                </a:lnTo>
-                <a:lnTo>
-                  <a:pt x="0" y="120000"/>
-                </a:lnTo>
-                <a:close/>
-              </a:path>
-            </a:pathLst>
-          </a:custGeom>
-          <a:noFill/>
-          <a:ln w="9525" cap="flat">
-            <a:solidFill>
-              <a:srgbClr val="000000"/>
-            </a:solidFill>
-            <a:prstDash val="solid"/>
-            <a:round/>
-            <a:headEnd type="none" w="med" len="med"/>
-            <a:tailEnd type="none" w="med" len="med"/>
-          </a:ln>
-        </p:spPr>
-      </p:sp>
-      <p:sp>
-        <p:nvSpPr>
-          <p:cNvPr id="98" name="Shape 98"/>
-          <p:cNvSpPr txBox="1">
-            <a:spLocks noGrp="1"/>
-          </p:cNvSpPr>
-          <p:nvPr>
-            <p:ph type="body" idx="1"/>
-          </p:nvPr>
-        </p:nvSpPr>
-        <p:spPr>
-          <a:xfrm>
-            <a:off x="685800" y="4343400"/>
-            <a:ext cx="5486399" cy="4114800"/>
-          </a:xfrm>
-          <a:prstGeom prst="rect">
-            <a:avLst/>
-          </a:prstGeom>
-        </p:spPr>
-        <p:txBody>
-          <a:bodyPr lIns="91425" tIns="91425" rIns="91425" bIns="91425" anchor="t" anchorCtr="0">
-            <a:noAutofit/>
-          </a:bodyPr>
-          <a:lstStyle/>
-          <a:p>
-            <a:pPr>
-              <a:spcBef>
-                <a:spcPts val="0"/>
-              </a:spcBef>
-              <a:buNone/>
-            </a:pPr>
-            <a:endParaRPr/>
-          </a:p>
-        </p:txBody>
-      </p:sp>
-    </p:spTree>
-  </p:cSld>
-  <p:clrMapOvr>
-    <a:masterClrMapping/>
-  </p:clrMapOvr>
-</p:notes>
-</file>
-
-<file path=ppt/notesSlides/notesSlide11.xml><?xml version="1.0" encoding="utf-8"?>
-<p:notes xmlns:a="http://schemas.openxmlformats.org/drawingml/2006/main" xmlns:r="http://schemas.openxmlformats.org/officeDocument/2006/relationships" xmlns:p="http://schemas.openxmlformats.org/presentationml/2006/main" showMasterSp="0" showMasterPhAnim="0">
-  <p:cSld>
-    <p:spTree>
-      <p:nvGrpSpPr>
-        <p:cNvPr id="1" name="Shape 102"/>
-        <p:cNvGrpSpPr/>
-        <p:nvPr/>
-      </p:nvGrpSpPr>
-      <p:grpSpPr>
-        <a:xfrm>
-          <a:off x="0" y="0"/>
-          <a:ext cx="0" cy="0"/>
-          <a:chOff x="0" y="0"/>
-          <a:chExt cx="0" cy="0"/>
-        </a:xfrm>
-      </p:grpSpPr>
-      <p:sp>
-        <p:nvSpPr>
-          <p:cNvPr id="103" name="Shape 103"/>
-          <p:cNvSpPr>
-            <a:spLocks noGrp="1" noRot="1" noChangeAspect="1"/>
-          </p:cNvSpPr>
-          <p:nvPr>
-            <p:ph type="sldImg" idx="2"/>
-          </p:nvPr>
-        </p:nvSpPr>
-        <p:spPr>
-          <a:xfrm>
-            <a:off x="381000" y="685800"/>
-            <a:ext cx="6096000" cy="3429000"/>
-          </a:xfrm>
-          <a:custGeom>
-            <a:avLst/>
-            <a:gdLst/>
-            <a:ahLst/>
-            <a:cxnLst/>
-            <a:rect l="0" t="0" r="0" b="0"/>
-            <a:pathLst>
-              <a:path w="120000" h="120000" extrusionOk="0">
-                <a:moveTo>
-                  <a:pt x="0" y="0"/>
-                </a:moveTo>
-                <a:lnTo>
-                  <a:pt x="120000" y="0"/>
-                </a:lnTo>
-                <a:lnTo>
-                  <a:pt x="120000" y="120000"/>
-                </a:lnTo>
-                <a:lnTo>
-                  <a:pt x="0" y="120000"/>
-                </a:lnTo>
-                <a:close/>
-              </a:path>
-            </a:pathLst>
-          </a:custGeom>
-          <a:noFill/>
-          <a:ln w="9525" cap="flat">
-            <a:solidFill>
-              <a:srgbClr val="000000"/>
-            </a:solidFill>
-            <a:prstDash val="solid"/>
-            <a:round/>
-            <a:headEnd type="none" w="med" len="med"/>
-            <a:tailEnd type="none" w="med" len="med"/>
-          </a:ln>
-        </p:spPr>
-      </p:sp>
-      <p:sp>
-        <p:nvSpPr>
-          <p:cNvPr id="104" name="Shape 104"/>
-          <p:cNvSpPr txBox="1">
-            <a:spLocks noGrp="1"/>
-          </p:cNvSpPr>
-          <p:nvPr>
-            <p:ph type="body" idx="1"/>
-          </p:nvPr>
-        </p:nvSpPr>
-        <p:spPr>
-          <a:xfrm>
-            <a:off x="685800" y="4343400"/>
-            <a:ext cx="5486399" cy="4114800"/>
-          </a:xfrm>
-          <a:prstGeom prst="rect">
-            <a:avLst/>
-          </a:prstGeom>
-        </p:spPr>
-        <p:txBody>
-          <a:bodyPr lIns="91425" tIns="91425" rIns="91425" bIns="91425" anchor="t" anchorCtr="0">
-            <a:noAutofit/>
-          </a:bodyPr>
-          <a:lstStyle/>
-          <a:p>
-            <a:pPr>
-              <a:spcBef>
-                <a:spcPts val="0"/>
-              </a:spcBef>
-              <a:buNone/>
-            </a:pPr>
-            <a:endParaRPr/>
-          </a:p>
-        </p:txBody>
-      </p:sp>
-    </p:spTree>
-  </p:cSld>
-  <p:clrMapOvr>
-    <a:masterClrMapping/>
-  </p:clrMapOvr>
-</p:notes>
-</file>
-
-<file path=ppt/notesSlides/notesSlide12.xml><?xml version="1.0" encoding="utf-8"?>
-<p:notes xmlns:a="http://schemas.openxmlformats.org/drawingml/2006/main" xmlns:r="http://schemas.openxmlformats.org/officeDocument/2006/relationships" xmlns:p="http://schemas.openxmlformats.org/presentationml/2006/main" showMasterSp="0" showMasterPhAnim="0">
-  <p:cSld>
-    <p:spTree>
-      <p:nvGrpSpPr>
-        <p:cNvPr id="1" name="Shape 102"/>
-        <p:cNvGrpSpPr/>
-        <p:nvPr/>
-      </p:nvGrpSpPr>
-      <p:grpSpPr>
-        <a:xfrm>
-          <a:off x="0" y="0"/>
-          <a:ext cx="0" cy="0"/>
-          <a:chOff x="0" y="0"/>
-          <a:chExt cx="0" cy="0"/>
-        </a:xfrm>
-      </p:grpSpPr>
-      <p:sp>
-        <p:nvSpPr>
-          <p:cNvPr id="103" name="Shape 103"/>
-          <p:cNvSpPr>
-            <a:spLocks noGrp="1" noRot="1" noChangeAspect="1"/>
-          </p:cNvSpPr>
-          <p:nvPr>
-            <p:ph type="sldImg" idx="2"/>
-          </p:nvPr>
-        </p:nvSpPr>
-        <p:spPr>
-          <a:xfrm>
-            <a:off x="381000" y="685800"/>
-            <a:ext cx="6096000" cy="3429000"/>
-          </a:xfrm>
-          <a:custGeom>
-            <a:avLst/>
-            <a:gdLst/>
-            <a:ahLst/>
-            <a:cxnLst/>
-            <a:rect l="0" t="0" r="0" b="0"/>
-            <a:pathLst>
-              <a:path w="120000" h="120000" extrusionOk="0">
-                <a:moveTo>
-                  <a:pt x="0" y="0"/>
-                </a:moveTo>
-                <a:lnTo>
-                  <a:pt x="120000" y="0"/>
-                </a:lnTo>
-                <a:lnTo>
-                  <a:pt x="120000" y="120000"/>
-                </a:lnTo>
-                <a:lnTo>
-                  <a:pt x="0" y="120000"/>
-                </a:lnTo>
-                <a:close/>
-              </a:path>
-            </a:pathLst>
-          </a:custGeom>
-          <a:noFill/>
-          <a:ln w="9525" cap="flat">
-            <a:solidFill>
-              <a:srgbClr val="000000"/>
-            </a:solidFill>
-            <a:prstDash val="solid"/>
-            <a:round/>
-            <a:headEnd type="none" w="med" len="med"/>
-            <a:tailEnd type="none" w="med" len="med"/>
-          </a:ln>
-        </p:spPr>
-      </p:sp>
-      <p:sp>
-        <p:nvSpPr>
-          <p:cNvPr id="104" name="Shape 104"/>
-          <p:cNvSpPr txBox="1">
-            <a:spLocks noGrp="1"/>
-          </p:cNvSpPr>
-          <p:nvPr>
-            <p:ph type="body" idx="1"/>
-          </p:nvPr>
-        </p:nvSpPr>
-        <p:spPr>
-          <a:xfrm>
-            <a:off x="685800" y="4343400"/>
-            <a:ext cx="5486399" cy="4114800"/>
-          </a:xfrm>
-          <a:prstGeom prst="rect">
-            <a:avLst/>
-          </a:prstGeom>
-        </p:spPr>
-        <p:txBody>
-          <a:bodyPr lIns="91425" tIns="91425" rIns="91425" bIns="91425" anchor="t" anchorCtr="0">
-            <a:noAutofit/>
-          </a:bodyPr>
-          <a:lstStyle/>
-          <a:p>
-            <a:pPr>
-              <a:spcBef>
-                <a:spcPts val="0"/>
-              </a:spcBef>
-              <a:buNone/>
-            </a:pPr>
-            <a:endParaRPr/>
-          </a:p>
-        </p:txBody>
-      </p:sp>
-    </p:spTree>
-  </p:cSld>
-  <p:clrMapOvr>
-    <a:masterClrMapping/>
-  </p:clrMapOvr>
-</p:notes>
-</file>
-
-<file path=ppt/notesSlides/notesSlide13.xml><?xml version="1.0" encoding="utf-8"?>
-<p:notes xmlns:a="http://schemas.openxmlformats.org/drawingml/2006/main" xmlns:r="http://schemas.openxmlformats.org/officeDocument/2006/relationships" xmlns:p="http://schemas.openxmlformats.org/presentationml/2006/main" showMasterSp="0" showMasterPhAnim="0">
-  <p:cSld>
-    <p:spTree>
-      <p:nvGrpSpPr>
-        <p:cNvPr id="1" name="Shape 113"/>
-        <p:cNvGrpSpPr/>
-        <p:nvPr/>
-      </p:nvGrpSpPr>
-      <p:grpSpPr>
-        <a:xfrm>
-          <a:off x="0" y="0"/>
-          <a:ext cx="0" cy="0"/>
-          <a:chOff x="0" y="0"/>
-          <a:chExt cx="0" cy="0"/>
-        </a:xfrm>
-      </p:grpSpPr>
-      <p:sp>
-        <p:nvSpPr>
-          <p:cNvPr id="114" name="Shape 114"/>
-          <p:cNvSpPr>
-            <a:spLocks noGrp="1" noRot="1" noChangeAspect="1"/>
-          </p:cNvSpPr>
-          <p:nvPr>
-            <p:ph type="sldImg" idx="2"/>
-          </p:nvPr>
-        </p:nvSpPr>
-        <p:spPr>
-          <a:xfrm>
-            <a:off x="381187" y="685800"/>
-            <a:ext cx="6096299" cy="3429000"/>
-          </a:xfrm>
-          <a:custGeom>
-            <a:avLst/>
-            <a:gdLst/>
-            <a:ahLst/>
-            <a:cxnLst/>
-            <a:rect l="0" t="0" r="0" b="0"/>
-            <a:pathLst>
-              <a:path w="120000" h="120000" extrusionOk="0">
-                <a:moveTo>
-                  <a:pt x="0" y="0"/>
-                </a:moveTo>
-                <a:lnTo>
-                  <a:pt x="120000" y="0"/>
-                </a:lnTo>
-                <a:lnTo>
-                  <a:pt x="120000" y="120000"/>
-                </a:lnTo>
-                <a:lnTo>
-                  <a:pt x="0" y="120000"/>
-                </a:lnTo>
-                <a:close/>
-              </a:path>
-            </a:pathLst>
-          </a:custGeom>
-          <a:noFill/>
-          <a:ln w="9525" cap="flat">
-            <a:solidFill>
-              <a:srgbClr val="000000"/>
-            </a:solidFill>
-            <a:prstDash val="solid"/>
-            <a:round/>
-            <a:headEnd type="none" w="med" len="med"/>
-            <a:tailEnd type="none" w="med" len="med"/>
-          </a:ln>
-        </p:spPr>
-      </p:sp>
-      <p:sp>
-        <p:nvSpPr>
-          <p:cNvPr id="115" name="Shape 115"/>
-          <p:cNvSpPr txBox="1">
-            <a:spLocks noGrp="1"/>
-          </p:cNvSpPr>
-          <p:nvPr>
-            <p:ph type="body" idx="1"/>
-          </p:nvPr>
-        </p:nvSpPr>
-        <p:spPr>
-          <a:xfrm>
-            <a:off x="685800" y="4343400"/>
-            <a:ext cx="5486399" cy="4114800"/>
-          </a:xfrm>
-          <a:prstGeom prst="rect">
-            <a:avLst/>
-          </a:prstGeom>
-        </p:spPr>
-        <p:txBody>
-          <a:bodyPr lIns="91425" tIns="91425" rIns="91425" bIns="91425" anchor="t" anchorCtr="0">
-            <a:noAutofit/>
-          </a:bodyPr>
-          <a:lstStyle/>
-          <a:p>
-            <a:pPr>
-              <a:spcBef>
-                <a:spcPts val="0"/>
-              </a:spcBef>
-              <a:buNone/>
-            </a:pPr>
-            <a:endParaRPr/>
-          </a:p>
-        </p:txBody>
-      </p:sp>
-    </p:spTree>
-  </p:cSld>
-  <p:clrMapOvr>
-    <a:masterClrMapping/>
-  </p:clrMapOvr>
-</p:notes>
-</file>
-
 <file path=ppt/notesSlides/notesSlide2.xml><?xml version="1.0" encoding="utf-8"?>
 <p:notes xmlns:a="http://schemas.openxmlformats.org/drawingml/2006/main" xmlns:r="http://schemas.openxmlformats.org/officeDocument/2006/relationships" xmlns:p="http://schemas.openxmlformats.org/presentationml/2006/main" showMasterSp="0" showMasterPhAnim="0">
   <p:cSld>
@@ -1261,6 +831,11 @@
         </p:txBody>
       </p:sp>
     </p:spTree>
+    <p:extLst>
+      <p:ext uri="{BB962C8B-B14F-4D97-AF65-F5344CB8AC3E}">
+        <p14:creationId xmlns:p14="http://schemas.microsoft.com/office/powerpoint/2010/main" xmlns="" val="1013252607"/>
+      </p:ext>
+    </p:extLst>
   </p:cSld>
   <p:clrMapOvr>
     <a:masterClrMapping/>
@@ -1273,7 +848,7 @@
   <p:cSld>
     <p:spTree>
       <p:nvGrpSpPr>
-        <p:cNvPr id="1" name="Shape 73"/>
+        <p:cNvPr id="1" name="Shape 66"/>
         <p:cNvGrpSpPr/>
         <p:nvPr/>
       </p:nvGrpSpPr>
@@ -1287,7 +862,7 @@
       </p:grpSpPr>
       <p:sp>
         <p:nvSpPr>
-          <p:cNvPr id="74" name="Shape 74"/>
+          <p:cNvPr id="67" name="Shape 67"/>
           <p:cNvSpPr>
             <a:spLocks noGrp="1" noRot="1" noChangeAspect="1"/>
           </p:cNvSpPr>
@@ -1338,7 +913,7 @@
       </p:sp>
       <p:sp>
         <p:nvSpPr>
-          <p:cNvPr id="75" name="Shape 75"/>
+          <p:cNvPr id="68" name="Shape 68"/>
           <p:cNvSpPr txBox="1">
             <a:spLocks noGrp="1"/>
           </p:cNvSpPr>
@@ -1372,6 +947,11 @@
         </p:txBody>
       </p:sp>
     </p:spTree>
+    <p:extLst>
+      <p:ext uri="{BB962C8B-B14F-4D97-AF65-F5344CB8AC3E}">
+        <p14:creationId xmlns:p14="http://schemas.microsoft.com/office/powerpoint/2010/main" xmlns="" val="1720076360"/>
+      </p:ext>
+    </p:extLst>
   </p:cSld>
   <p:clrMapOvr>
     <a:masterClrMapping/>
@@ -1384,7 +964,7 @@
   <p:cSld>
     <p:spTree>
       <p:nvGrpSpPr>
-        <p:cNvPr id="1" name="Shape 79"/>
+        <p:cNvPr id="1" name="Shape 66"/>
         <p:cNvGrpSpPr/>
         <p:nvPr/>
       </p:nvGrpSpPr>
@@ -1398,7 +978,7 @@
       </p:grpSpPr>
       <p:sp>
         <p:nvSpPr>
-          <p:cNvPr id="80" name="Shape 80"/>
+          <p:cNvPr id="67" name="Shape 67"/>
           <p:cNvSpPr>
             <a:spLocks noGrp="1" noRot="1" noChangeAspect="1"/>
           </p:cNvSpPr>
@@ -1449,7 +1029,7 @@
       </p:sp>
       <p:sp>
         <p:nvSpPr>
-          <p:cNvPr id="81" name="Shape 81"/>
+          <p:cNvPr id="68" name="Shape 68"/>
           <p:cNvSpPr txBox="1">
             <a:spLocks noGrp="1"/>
           </p:cNvSpPr>
@@ -1483,6 +1063,11 @@
         </p:txBody>
       </p:sp>
     </p:spTree>
+    <p:extLst>
+      <p:ext uri="{BB962C8B-B14F-4D97-AF65-F5344CB8AC3E}">
+        <p14:creationId xmlns:p14="http://schemas.microsoft.com/office/powerpoint/2010/main" xmlns="" val="1692383210"/>
+      </p:ext>
+    </p:extLst>
   </p:cSld>
   <p:clrMapOvr>
     <a:masterClrMapping/>
@@ -1495,7 +1080,7 @@
   <p:cSld>
     <p:spTree>
       <p:nvGrpSpPr>
-        <p:cNvPr id="1" name="Shape 85"/>
+        <p:cNvPr id="1" name="Shape 113"/>
         <p:cNvGrpSpPr/>
         <p:nvPr/>
       </p:nvGrpSpPr>
@@ -1509,7 +1094,7 @@
       </p:grpSpPr>
       <p:sp>
         <p:nvSpPr>
-          <p:cNvPr id="86" name="Shape 86"/>
+          <p:cNvPr id="114" name="Shape 114"/>
           <p:cNvSpPr>
             <a:spLocks noGrp="1" noRot="1" noChangeAspect="1"/>
           </p:cNvSpPr>
@@ -1560,7 +1145,7 @@
       </p:sp>
       <p:sp>
         <p:nvSpPr>
-          <p:cNvPr id="87" name="Shape 87"/>
+          <p:cNvPr id="115" name="Shape 115"/>
           <p:cNvSpPr txBox="1">
             <a:spLocks noGrp="1"/>
           </p:cNvSpPr>
@@ -1606,7 +1191,7 @@
   <p:cSld>
     <p:spTree>
       <p:nvGrpSpPr>
-        <p:cNvPr id="1" name="Shape 91"/>
+        <p:cNvPr id="1" name="Shape 113"/>
         <p:cNvGrpSpPr/>
         <p:nvPr/>
       </p:nvGrpSpPr>
@@ -1620,7 +1205,7 @@
       </p:grpSpPr>
       <p:sp>
         <p:nvSpPr>
-          <p:cNvPr id="92" name="Shape 92"/>
+          <p:cNvPr id="114" name="Shape 114"/>
           <p:cNvSpPr>
             <a:spLocks noGrp="1" noRot="1" noChangeAspect="1"/>
           </p:cNvSpPr>
@@ -1671,7 +1256,7 @@
       </p:sp>
       <p:sp>
         <p:nvSpPr>
-          <p:cNvPr id="93" name="Shape 93"/>
+          <p:cNvPr id="115" name="Shape 115"/>
           <p:cNvSpPr txBox="1">
             <a:spLocks noGrp="1"/>
           </p:cNvSpPr>
@@ -1705,228 +1290,11 @@
         </p:txBody>
       </p:sp>
     </p:spTree>
-  </p:cSld>
-  <p:clrMapOvr>
-    <a:masterClrMapping/>
-  </p:clrMapOvr>
-</p:notes>
-</file>
-
-<file path=ppt/notesSlides/notesSlide8.xml><?xml version="1.0" encoding="utf-8"?>
-<p:notes xmlns:a="http://schemas.openxmlformats.org/drawingml/2006/main" xmlns:r="http://schemas.openxmlformats.org/officeDocument/2006/relationships" xmlns:p="http://schemas.openxmlformats.org/presentationml/2006/main" showMasterSp="0" showMasterPhAnim="0">
-  <p:cSld>
-    <p:spTree>
-      <p:nvGrpSpPr>
-        <p:cNvPr id="1" name="Shape 91"/>
-        <p:cNvGrpSpPr/>
-        <p:nvPr/>
-      </p:nvGrpSpPr>
-      <p:grpSpPr>
-        <a:xfrm>
-          <a:off x="0" y="0"/>
-          <a:ext cx="0" cy="0"/>
-          <a:chOff x="0" y="0"/>
-          <a:chExt cx="0" cy="0"/>
-        </a:xfrm>
-      </p:grpSpPr>
-      <p:sp>
-        <p:nvSpPr>
-          <p:cNvPr id="92" name="Shape 92"/>
-          <p:cNvSpPr>
-            <a:spLocks noGrp="1" noRot="1" noChangeAspect="1"/>
-          </p:cNvSpPr>
-          <p:nvPr>
-            <p:ph type="sldImg" idx="2"/>
-          </p:nvPr>
-        </p:nvSpPr>
-        <p:spPr>
-          <a:xfrm>
-            <a:off x="381000" y="685800"/>
-            <a:ext cx="6096000" cy="3429000"/>
-          </a:xfrm>
-          <a:custGeom>
-            <a:avLst/>
-            <a:gdLst/>
-            <a:ahLst/>
-            <a:cxnLst/>
-            <a:rect l="0" t="0" r="0" b="0"/>
-            <a:pathLst>
-              <a:path w="120000" h="120000" extrusionOk="0">
-                <a:moveTo>
-                  <a:pt x="0" y="0"/>
-                </a:moveTo>
-                <a:lnTo>
-                  <a:pt x="120000" y="0"/>
-                </a:lnTo>
-                <a:lnTo>
-                  <a:pt x="120000" y="120000"/>
-                </a:lnTo>
-                <a:lnTo>
-                  <a:pt x="0" y="120000"/>
-                </a:lnTo>
-                <a:close/>
-              </a:path>
-            </a:pathLst>
-          </a:custGeom>
-          <a:noFill/>
-          <a:ln w="9525" cap="flat">
-            <a:solidFill>
-              <a:srgbClr val="000000"/>
-            </a:solidFill>
-            <a:prstDash val="solid"/>
-            <a:round/>
-            <a:headEnd type="none" w="med" len="med"/>
-            <a:tailEnd type="none" w="med" len="med"/>
-          </a:ln>
-        </p:spPr>
-      </p:sp>
-      <p:sp>
-        <p:nvSpPr>
-          <p:cNvPr id="93" name="Shape 93"/>
-          <p:cNvSpPr txBox="1">
-            <a:spLocks noGrp="1"/>
-          </p:cNvSpPr>
-          <p:nvPr>
-            <p:ph type="body" idx="1"/>
-          </p:nvPr>
-        </p:nvSpPr>
-        <p:spPr>
-          <a:xfrm>
-            <a:off x="685800" y="4343400"/>
-            <a:ext cx="5486399" cy="4114800"/>
-          </a:xfrm>
-          <a:prstGeom prst="rect">
-            <a:avLst/>
-          </a:prstGeom>
-        </p:spPr>
-        <p:txBody>
-          <a:bodyPr lIns="91425" tIns="91425" rIns="91425" bIns="91425" anchor="t" anchorCtr="0">
-            <a:noAutofit/>
-          </a:bodyPr>
-          <a:lstStyle/>
-          <a:p>
-            <a:pPr>
-              <a:spcBef>
-                <a:spcPts val="0"/>
-              </a:spcBef>
-              <a:buNone/>
-            </a:pPr>
-            <a:endParaRPr/>
-          </a:p>
-        </p:txBody>
-      </p:sp>
-    </p:spTree>
-  </p:cSld>
-  <p:clrMapOvr>
-    <a:masterClrMapping/>
-  </p:clrMapOvr>
-</p:notes>
-</file>
-
-<file path=ppt/notesSlides/notesSlide9.xml><?xml version="1.0" encoding="utf-8"?>
-<p:notes xmlns:a="http://schemas.openxmlformats.org/drawingml/2006/main" xmlns:r="http://schemas.openxmlformats.org/officeDocument/2006/relationships" xmlns:p="http://schemas.openxmlformats.org/presentationml/2006/main" showMasterSp="0" showMasterPhAnim="0">
-  <p:cSld>
-    <p:spTree>
-      <p:nvGrpSpPr>
-        <p:cNvPr id="1" name="Shape 91"/>
-        <p:cNvGrpSpPr/>
-        <p:nvPr/>
-      </p:nvGrpSpPr>
-      <p:grpSpPr>
-        <a:xfrm>
-          <a:off x="0" y="0"/>
-          <a:ext cx="0" cy="0"/>
-          <a:chOff x="0" y="0"/>
-          <a:chExt cx="0" cy="0"/>
-        </a:xfrm>
-      </p:grpSpPr>
-      <p:sp>
-        <p:nvSpPr>
-          <p:cNvPr id="92" name="Shape 92"/>
-          <p:cNvSpPr>
-            <a:spLocks noGrp="1" noRot="1" noChangeAspect="1"/>
-          </p:cNvSpPr>
-          <p:nvPr>
-            <p:ph type="sldImg" idx="2"/>
-          </p:nvPr>
-        </p:nvSpPr>
-        <p:spPr>
-          <a:xfrm>
-            <a:off x="381000" y="685800"/>
-            <a:ext cx="6096000" cy="3429000"/>
-          </a:xfrm>
-          <a:custGeom>
-            <a:avLst/>
-            <a:gdLst/>
-            <a:ahLst/>
-            <a:cxnLst/>
-            <a:rect l="0" t="0" r="0" b="0"/>
-            <a:pathLst>
-              <a:path w="120000" h="120000" extrusionOk="0">
-                <a:moveTo>
-                  <a:pt x="0" y="0"/>
-                </a:moveTo>
-                <a:lnTo>
-                  <a:pt x="120000" y="0"/>
-                </a:lnTo>
-                <a:lnTo>
-                  <a:pt x="120000" y="120000"/>
-                </a:lnTo>
-                <a:lnTo>
-                  <a:pt x="0" y="120000"/>
-                </a:lnTo>
-                <a:close/>
-              </a:path>
-            </a:pathLst>
-          </a:custGeom>
-          <a:noFill/>
-          <a:ln w="9525" cap="flat">
-            <a:solidFill>
-              <a:srgbClr val="000000"/>
-            </a:solidFill>
-            <a:prstDash val="solid"/>
-            <a:round/>
-            <a:headEnd type="none" w="med" len="med"/>
-            <a:tailEnd type="none" w="med" len="med"/>
-          </a:ln>
-        </p:spPr>
-      </p:sp>
-      <p:sp>
-        <p:nvSpPr>
-          <p:cNvPr id="93" name="Shape 93"/>
-          <p:cNvSpPr txBox="1">
-            <a:spLocks noGrp="1"/>
-          </p:cNvSpPr>
-          <p:nvPr>
-            <p:ph type="body" idx="1"/>
-          </p:nvPr>
-        </p:nvSpPr>
-        <p:spPr>
-          <a:xfrm>
-            <a:off x="685800" y="4343400"/>
-            <a:ext cx="5486399" cy="4114800"/>
-          </a:xfrm>
-          <a:prstGeom prst="rect">
-            <a:avLst/>
-          </a:prstGeom>
-        </p:spPr>
-        <p:txBody>
-          <a:bodyPr lIns="91425" tIns="91425" rIns="91425" bIns="91425" anchor="t" anchorCtr="0">
-            <a:noAutofit/>
-          </a:bodyPr>
-          <a:lstStyle/>
-          <a:p>
-            <a:pPr>
-              <a:spcBef>
-                <a:spcPts val="0"/>
-              </a:spcBef>
-              <a:buNone/>
-            </a:pPr>
-            <a:endParaRPr/>
-          </a:p>
-        </p:txBody>
-      </p:sp>
-    </p:spTree>
+    <p:extLst>
+      <p:ext uri="{BB962C8B-B14F-4D97-AF65-F5344CB8AC3E}">
+        <p14:creationId xmlns:p14="http://schemas.microsoft.com/office/powerpoint/2010/main" xmlns="" val="242389610"/>
+      </p:ext>
+    </p:extLst>
   </p:cSld>
   <p:clrMapOvr>
     <a:masterClrMapping/>
@@ -5257,7 +4625,7 @@
               <a:t>Agriculture </a:t>
             </a:r>
             <a:r>
-              <a:rPr lang="id-ID" sz="3600" dirty="0" smtClean="0"/>
+              <a:rPr lang="id-ID" sz="3600" dirty="0"/>
               <a:t>Academy</a:t>
             </a:r>
             <a:endParaRPr lang="en" sz="3600" dirty="0"/>
@@ -5271,21 +4639,16 @@
             </a:pPr>
             <a:r>
               <a:rPr lang="en" sz="3600" dirty="0"/>
-              <a:t>(</a:t>
-            </a:r>
-            <a:r>
-              <a:rPr lang="en" sz="3600" dirty="0" smtClean="0"/>
-              <a:t>A</a:t>
-            </a:r>
-            <a:r>
-              <a:rPr lang="id-ID" sz="3600" dirty="0" smtClean="0"/>
+              <a:t>(A</a:t>
+            </a:r>
+            <a:r>
+              <a:rPr lang="id-ID" sz="3600" dirty="0"/>
               <a:t>CA</a:t>
             </a:r>
             <a:r>
-              <a:rPr lang="en" sz="3600" dirty="0" smtClean="0"/>
+              <a:rPr lang="en" sz="3600" dirty="0"/>
               <a:t>)</a:t>
             </a:r>
-            <a:endParaRPr lang="en" sz="3600" dirty="0"/>
           </a:p>
         </p:txBody>
       </p:sp>
@@ -5321,7 +4684,7 @@
               <a:buNone/>
             </a:pPr>
             <a:r>
-              <a:rPr lang="en" sz="1800" dirty="0" smtClean="0"/>
+              <a:rPr lang="en" sz="1800" dirty="0"/>
               <a:t>Oleh :</a:t>
             </a:r>
           </a:p>
@@ -5333,10 +4696,9 @@
               <a:buNone/>
             </a:pPr>
             <a:r>
-              <a:rPr lang="en" sz="1800" dirty="0" smtClean="0"/>
+              <a:rPr lang="en" sz="1800" dirty="0"/>
               <a:t>Kelompok </a:t>
             </a:r>
-            <a:endParaRPr lang="en" sz="1800" dirty="0"/>
           </a:p>
           <a:p>
             <a:pPr marL="457200" lvl="0" indent="-342900" rtl="0">
@@ -5351,19 +4713,15 @@
               <a:buAutoNum type="arabicPeriod"/>
             </a:pPr>
             <a:r>
-              <a:rPr lang="id-ID" sz="1800" dirty="0" smtClean="0"/>
+              <a:rPr lang="id-ID" sz="1800" dirty="0"/>
               <a:t>Faisal Mahya Lubis</a:t>
             </a:r>
             <a:r>
               <a:rPr lang="en" sz="1800" dirty="0"/>
-              <a:t>	</a:t>
-            </a:r>
-            <a:r>
-              <a:rPr lang="en" sz="1800" dirty="0" smtClean="0"/>
-              <a:t>G64</a:t>
-            </a:r>
-            <a:r>
-              <a:rPr lang="id-ID" sz="1800" dirty="0" smtClean="0"/>
+              <a:t>	G64</a:t>
+            </a:r>
+            <a:r>
+              <a:rPr lang="id-ID" sz="1800" dirty="0"/>
               <a:t>164058</a:t>
             </a:r>
             <a:endParaRPr lang="en" sz="1800" dirty="0"/>
@@ -5381,23 +4739,19 @@
               <a:buAutoNum type="arabicPeriod"/>
             </a:pPr>
             <a:r>
-              <a:rPr lang="en" sz="1800" dirty="0" smtClean="0"/>
+              <a:rPr lang="en" sz="1800" dirty="0"/>
               <a:t>R</a:t>
             </a:r>
             <a:r>
-              <a:rPr lang="id-ID" sz="1800" dirty="0" smtClean="0"/>
+              <a:rPr lang="id-ID" sz="1800" dirty="0"/>
               <a:t>ezta Satria Pratama</a:t>
             </a:r>
             <a:r>
               <a:rPr lang="en" sz="1800" dirty="0"/>
-              <a:t>	</a:t>
-            </a:r>
-            <a:r>
-              <a:rPr lang="en" sz="1800" dirty="0" smtClean="0"/>
-              <a:t>G641</a:t>
-            </a:r>
-            <a:r>
-              <a:rPr lang="id-ID" sz="1800" dirty="0" smtClean="0"/>
+              <a:t>	G641</a:t>
+            </a:r>
+            <a:r>
+              <a:rPr lang="id-ID" sz="1800" dirty="0"/>
               <a:t>64029</a:t>
             </a:r>
             <a:endParaRPr lang="en" sz="1800" dirty="0"/>
@@ -5415,24 +4769,16 @@
               <a:buAutoNum type="arabicPeriod"/>
             </a:pPr>
             <a:r>
+              <a:rPr lang="id-ID" sz="1800" dirty="0"/>
+              <a:t>Muhamad Syihabudin</a:t>
+            </a:r>
+            <a:r>
+              <a:rPr lang="en" sz="1800" dirty="0"/>
+              <a:t> 	G641</a:t>
+            </a:r>
+            <a:r>
               <a:rPr lang="id-ID" sz="1800" dirty="0" smtClean="0"/>
-              <a:t>Muhamad Syihabudin</a:t>
-            </a:r>
-            <a:r>
-              <a:rPr lang="en" sz="1800" dirty="0" smtClean="0"/>
-              <a:t> </a:t>
-            </a:r>
-            <a:r>
-              <a:rPr lang="en" sz="1800" dirty="0"/>
-              <a:t>	</a:t>
-            </a:r>
-            <a:r>
-              <a:rPr lang="en" sz="1800" dirty="0" smtClean="0"/>
-              <a:t>G641</a:t>
-            </a:r>
-            <a:r>
-              <a:rPr lang="id-ID" sz="1800" dirty="0" smtClean="0"/>
-              <a:t>640</a:t>
+              <a:t>64007</a:t>
             </a:r>
             <a:endParaRPr lang="en" sz="1800" dirty="0"/>
           </a:p>
@@ -5449,28 +4795,20 @@
               <a:buAutoNum type="arabicPeriod"/>
             </a:pPr>
             <a:r>
-              <a:rPr lang="en" sz="1800" dirty="0" smtClean="0"/>
+              <a:rPr lang="en" sz="1800" dirty="0"/>
               <a:t>K</a:t>
             </a:r>
             <a:r>
+              <a:rPr lang="id-ID" sz="1800" dirty="0"/>
+              <a:t>iki Ramdhani</a:t>
+            </a:r>
+            <a:r>
+              <a:rPr lang="en" sz="1800" dirty="0"/>
+              <a:t> 	G641</a:t>
+            </a:r>
+            <a:r>
               <a:rPr lang="id-ID" sz="1800" dirty="0" smtClean="0"/>
-              <a:t>iki Ramdhani</a:t>
-            </a:r>
-            <a:r>
-              <a:rPr lang="en" sz="1800" dirty="0" smtClean="0"/>
-              <a:t> </a:t>
-            </a:r>
-            <a:r>
-              <a:rPr lang="en" sz="1800" dirty="0"/>
-              <a:t>	</a:t>
-            </a:r>
-            <a:r>
-              <a:rPr lang="en" sz="1800" dirty="0" smtClean="0"/>
-              <a:t>G641</a:t>
-            </a:r>
-            <a:r>
-              <a:rPr lang="id-ID" sz="1800" dirty="0" smtClean="0"/>
-              <a:t>640</a:t>
+              <a:t>64060</a:t>
             </a:r>
             <a:endParaRPr lang="en" sz="1800" dirty="0"/>
           </a:p>
@@ -5493,364 +4831,6 @@
   <p:transition spd="slow">
     <p:cut/>
   </p:transition>
-  <p:timing>
-    <p:tnLst>
-      <p:par>
-        <p:cTn id="1" dur="indefinite" restart="never" nodeType="tmRoot"/>
-      </p:par>
-    </p:tnLst>
-  </p:timing>
-</p:sld>
-</file>
-
-<file path=ppt/slides/slide10.xml><?xml version="1.0" encoding="utf-8"?>
-<p:sld xmlns:a="http://schemas.openxmlformats.org/drawingml/2006/main" xmlns:r="http://schemas.openxmlformats.org/officeDocument/2006/relationships" xmlns:p="http://schemas.openxmlformats.org/presentationml/2006/main">
-  <p:cSld>
-    <p:spTree>
-      <p:nvGrpSpPr>
-        <p:cNvPr id="1" name="Shape 94"/>
-        <p:cNvGrpSpPr/>
-        <p:nvPr/>
-      </p:nvGrpSpPr>
-      <p:grpSpPr>
-        <a:xfrm>
-          <a:off x="0" y="0"/>
-          <a:ext cx="0" cy="0"/>
-          <a:chOff x="0" y="0"/>
-          <a:chExt cx="0" cy="0"/>
-        </a:xfrm>
-      </p:grpSpPr>
-      <p:sp>
-        <p:nvSpPr>
-          <p:cNvPr id="95" name="Shape 95"/>
-          <p:cNvSpPr txBox="1">
-            <a:spLocks noGrp="1"/>
-          </p:cNvSpPr>
-          <p:nvPr>
-            <p:ph type="title"/>
-          </p:nvPr>
-        </p:nvSpPr>
-        <p:spPr>
-          <a:xfrm>
-            <a:off x="457200" y="205978"/>
-            <a:ext cx="8229600" cy="857400"/>
-          </a:xfrm>
-          <a:prstGeom prst="rect">
-            <a:avLst/>
-          </a:prstGeom>
-        </p:spPr>
-        <p:txBody>
-          <a:bodyPr lIns="91425" tIns="91425" rIns="91425" bIns="91425" anchor="b" anchorCtr="0">
-            <a:noAutofit/>
-          </a:bodyPr>
-          <a:lstStyle/>
-          <a:p>
-            <a:pPr>
-              <a:spcBef>
-                <a:spcPts val="0"/>
-              </a:spcBef>
-              <a:buNone/>
-            </a:pPr>
-            <a:r>
-              <a:rPr lang="en"/>
-              <a:t>Class Diagram</a:t>
-            </a:r>
-          </a:p>
-        </p:txBody>
-      </p:sp>
-    </p:spTree>
-  </p:cSld>
-  <p:clrMapOvr>
-    <a:masterClrMapping/>
-  </p:clrMapOvr>
-  <p:transition spd="slow">
-    <p:cut/>
-  </p:transition>
-  <p:timing>
-    <p:tnLst>
-      <p:par>
-        <p:cTn id="1" dur="indefinite" restart="never" nodeType="tmRoot"/>
-      </p:par>
-    </p:tnLst>
-  </p:timing>
-</p:sld>
-</file>
-
-<file path=ppt/slides/slide11.xml><?xml version="1.0" encoding="utf-8"?>
-<p:sld xmlns:a="http://schemas.openxmlformats.org/drawingml/2006/main" xmlns:r="http://schemas.openxmlformats.org/officeDocument/2006/relationships" xmlns:p="http://schemas.openxmlformats.org/presentationml/2006/main">
-  <p:cSld>
-    <p:spTree>
-      <p:nvGrpSpPr>
-        <p:cNvPr id="1" name="Shape 99"/>
-        <p:cNvGrpSpPr/>
-        <p:nvPr/>
-      </p:nvGrpSpPr>
-      <p:grpSpPr>
-        <a:xfrm>
-          <a:off x="0" y="0"/>
-          <a:ext cx="0" cy="0"/>
-          <a:chOff x="0" y="0"/>
-          <a:chExt cx="0" cy="0"/>
-        </a:xfrm>
-      </p:grpSpPr>
-      <p:sp>
-        <p:nvSpPr>
-          <p:cNvPr id="100" name="Shape 100"/>
-          <p:cNvSpPr txBox="1">
-            <a:spLocks noGrp="1"/>
-          </p:cNvSpPr>
-          <p:nvPr>
-            <p:ph type="title"/>
-          </p:nvPr>
-        </p:nvSpPr>
-        <p:spPr>
-          <a:xfrm>
-            <a:off x="457200" y="205978"/>
-            <a:ext cx="8229600" cy="857400"/>
-          </a:xfrm>
-          <a:prstGeom prst="rect">
-            <a:avLst/>
-          </a:prstGeom>
-        </p:spPr>
-        <p:txBody>
-          <a:bodyPr lIns="91425" tIns="91425" rIns="91425" bIns="91425" anchor="b" anchorCtr="0">
-            <a:noAutofit/>
-          </a:bodyPr>
-          <a:lstStyle/>
-          <a:p>
-            <a:pPr>
-              <a:spcBef>
-                <a:spcPts val="0"/>
-              </a:spcBef>
-              <a:buNone/>
-            </a:pPr>
-            <a:r>
-              <a:rPr lang="en"/>
-              <a:t>Sequence Diagram</a:t>
-            </a:r>
-          </a:p>
-        </p:txBody>
-      </p:sp>
-      <p:pic>
-        <p:nvPicPr>
-          <p:cNvPr id="7170" name="Picture 2" descr="C:\Users\Doni\Documents\GitHub\basdat-dan-psbo\Sequence diagram1.jpeg"/>
-          <p:cNvPicPr>
-            <a:picLocks noChangeAspect="1" noChangeArrowheads="1"/>
-          </p:cNvPicPr>
-          <p:nvPr/>
-        </p:nvPicPr>
-        <p:blipFill>
-          <a:blip r:embed="rId3"/>
-          <a:srcRect/>
-          <a:stretch>
-            <a:fillRect/>
-          </a:stretch>
-        </p:blipFill>
-        <p:spPr bwMode="auto">
-          <a:xfrm>
-            <a:off x="914400" y="1428750"/>
-            <a:ext cx="8040058" cy="2895600"/>
-          </a:xfrm>
-          <a:prstGeom prst="rect">
-            <a:avLst/>
-          </a:prstGeom>
-          <a:noFill/>
-        </p:spPr>
-      </p:pic>
-    </p:spTree>
-  </p:cSld>
-  <p:clrMapOvr>
-    <a:masterClrMapping/>
-  </p:clrMapOvr>
-  <p:transition spd="slow">
-    <p:cut/>
-  </p:transition>
-  <p:timing>
-    <p:tnLst>
-      <p:par>
-        <p:cTn id="1" dur="indefinite" restart="never" nodeType="tmRoot"/>
-      </p:par>
-    </p:tnLst>
-  </p:timing>
-</p:sld>
-</file>
-
-<file path=ppt/slides/slide12.xml><?xml version="1.0" encoding="utf-8"?>
-<p:sld xmlns:a="http://schemas.openxmlformats.org/drawingml/2006/main" xmlns:r="http://schemas.openxmlformats.org/officeDocument/2006/relationships" xmlns:p="http://schemas.openxmlformats.org/presentationml/2006/main">
-  <p:cSld>
-    <p:spTree>
-      <p:nvGrpSpPr>
-        <p:cNvPr id="1" name="Shape 99"/>
-        <p:cNvGrpSpPr/>
-        <p:nvPr/>
-      </p:nvGrpSpPr>
-      <p:grpSpPr>
-        <a:xfrm>
-          <a:off x="0" y="0"/>
-          <a:ext cx="0" cy="0"/>
-          <a:chOff x="0" y="0"/>
-          <a:chExt cx="0" cy="0"/>
-        </a:xfrm>
-      </p:grpSpPr>
-      <p:sp>
-        <p:nvSpPr>
-          <p:cNvPr id="100" name="Shape 100"/>
-          <p:cNvSpPr txBox="1">
-            <a:spLocks noGrp="1"/>
-          </p:cNvSpPr>
-          <p:nvPr>
-            <p:ph type="title"/>
-          </p:nvPr>
-        </p:nvSpPr>
-        <p:spPr>
-          <a:xfrm>
-            <a:off x="457200" y="205978"/>
-            <a:ext cx="8229600" cy="857400"/>
-          </a:xfrm>
-          <a:prstGeom prst="rect">
-            <a:avLst/>
-          </a:prstGeom>
-        </p:spPr>
-        <p:txBody>
-          <a:bodyPr lIns="91425" tIns="91425" rIns="91425" bIns="91425" anchor="b" anchorCtr="0">
-            <a:noAutofit/>
-          </a:bodyPr>
-          <a:lstStyle/>
-          <a:p>
-            <a:r>
-              <a:rPr lang="en" dirty="0"/>
-              <a:t>Sequence </a:t>
-            </a:r>
-            <a:r>
-              <a:rPr lang="en" dirty="0" smtClean="0"/>
-              <a:t>Diagram</a:t>
-            </a:r>
-            <a:r>
-              <a:rPr lang="id-ID" dirty="0" smtClean="0"/>
-              <a:t> </a:t>
-            </a:r>
-            <a:r>
-              <a:rPr lang="en" dirty="0" smtClean="0"/>
-              <a:t>(cont.)</a:t>
-            </a:r>
-            <a:endParaRPr lang="en" dirty="0"/>
-          </a:p>
-        </p:txBody>
-      </p:sp>
-      <p:pic>
-        <p:nvPicPr>
-          <p:cNvPr id="8195" name="Picture 3" descr="C:\Users\Doni\Documents\GitHub\basdat-dan-psbo\Sequence diagram(syihab).jpg"/>
-          <p:cNvPicPr>
-            <a:picLocks noChangeAspect="1" noChangeArrowheads="1"/>
-          </p:cNvPicPr>
-          <p:nvPr/>
-        </p:nvPicPr>
-        <p:blipFill>
-          <a:blip r:embed="rId3"/>
-          <a:srcRect/>
-          <a:stretch>
-            <a:fillRect/>
-          </a:stretch>
-        </p:blipFill>
-        <p:spPr bwMode="auto">
-          <a:xfrm>
-            <a:off x="1295400" y="1176704"/>
-            <a:ext cx="4800600" cy="3528646"/>
-          </a:xfrm>
-          <a:prstGeom prst="rect">
-            <a:avLst/>
-          </a:prstGeom>
-          <a:noFill/>
-        </p:spPr>
-      </p:pic>
-    </p:spTree>
-  </p:cSld>
-  <p:clrMapOvr>
-    <a:masterClrMapping/>
-  </p:clrMapOvr>
-  <p:transition spd="slow">
-    <p:cut/>
-  </p:transition>
-  <p:timing>
-    <p:tnLst>
-      <p:par>
-        <p:cTn id="1" dur="indefinite" restart="never" nodeType="tmRoot"/>
-      </p:par>
-    </p:tnLst>
-  </p:timing>
-</p:sld>
-</file>
-
-<file path=ppt/slides/slide13.xml><?xml version="1.0" encoding="utf-8"?>
-<p:sld xmlns:a="http://schemas.openxmlformats.org/drawingml/2006/main" xmlns:r="http://schemas.openxmlformats.org/officeDocument/2006/relationships" xmlns:p="http://schemas.openxmlformats.org/presentationml/2006/main">
-  <p:cSld>
-    <p:spTree>
-      <p:nvGrpSpPr>
-        <p:cNvPr id="1" name="Shape 111"/>
-        <p:cNvGrpSpPr/>
-        <p:nvPr/>
-      </p:nvGrpSpPr>
-      <p:grpSpPr>
-        <a:xfrm>
-          <a:off x="0" y="0"/>
-          <a:ext cx="0" cy="0"/>
-          <a:chOff x="0" y="0"/>
-          <a:chExt cx="0" cy="0"/>
-        </a:xfrm>
-      </p:grpSpPr>
-      <p:sp>
-        <p:nvSpPr>
-          <p:cNvPr id="112" name="Shape 112"/>
-          <p:cNvSpPr txBox="1">
-            <a:spLocks noGrp="1"/>
-          </p:cNvSpPr>
-          <p:nvPr>
-            <p:ph type="title"/>
-          </p:nvPr>
-        </p:nvSpPr>
-        <p:spPr>
-          <a:xfrm>
-            <a:off x="457200" y="1884569"/>
-            <a:ext cx="8229600" cy="946499"/>
-          </a:xfrm>
-          <a:prstGeom prst="rect">
-            <a:avLst/>
-          </a:prstGeom>
-        </p:spPr>
-        <p:txBody>
-          <a:bodyPr lIns="91425" tIns="91425" rIns="91425" bIns="91425" anchor="b" anchorCtr="0">
-            <a:noAutofit/>
-          </a:bodyPr>
-          <a:lstStyle/>
-          <a:p>
-            <a:pPr lvl="0" algn="ctr" rtl="0">
-              <a:spcBef>
-                <a:spcPts val="0"/>
-              </a:spcBef>
-              <a:buNone/>
-            </a:pPr>
-            <a:r>
-              <a:rPr lang="en" sz="4800"/>
-              <a:t>Terima Kasih</a:t>
-            </a:r>
-          </a:p>
-        </p:txBody>
-      </p:sp>
-    </p:spTree>
-  </p:cSld>
-  <p:clrMapOvr>
-    <a:masterClrMapping/>
-  </p:clrMapOvr>
-  <p:transition spd="slow">
-    <p:cut/>
-  </p:transition>
-  <p:timing>
-    <p:tnLst>
-      <p:par>
-        <p:cTn id="1" dur="indefinite" restart="never" nodeType="tmRoot"/>
-      </p:par>
-    </p:tnLst>
-  </p:timing>
 </p:sld>
 </file>
 
@@ -5903,7 +4883,7 @@
               <a:buNone/>
             </a:pPr>
             <a:r>
-              <a:rPr lang="en"/>
+              <a:rPr lang="en" dirty="0"/>
               <a:t>Latar Belakang</a:t>
             </a:r>
           </a:p>
@@ -5925,8 +4905,8 @@
         </p:blipFill>
         <p:spPr>
           <a:xfrm>
-            <a:off x="965350" y="1282924"/>
-            <a:ext cx="2346250" cy="1564201"/>
+            <a:off x="2977452" y="1200150"/>
+            <a:ext cx="3717173" cy="2586878"/>
           </a:xfrm>
           <a:prstGeom prst="rect">
             <a:avLst/>
@@ -5937,173 +4917,178 @@
           </a:ln>
         </p:spPr>
       </p:pic>
-      <p:cxnSp>
-        <p:nvCxnSpPr>
-          <p:cNvPr id="51" name="Shape 51"/>
-          <p:cNvCxnSpPr/>
+      <p:pic>
+        <p:nvPicPr>
+          <p:cNvPr id="1026" name="Picture 2" descr="C:\Users\Doni\Documents\GitHub\basdat-dan-psbo\Picture\Academy.jpg"/>
+          <p:cNvPicPr>
+            <a:picLocks noChangeAspect="1" noChangeArrowheads="1"/>
+          </p:cNvPicPr>
           <p:nvPr/>
-        </p:nvCxnSpPr>
-        <p:spPr>
+        </p:nvPicPr>
+        <p:blipFill rotWithShape="1">
+          <a:blip r:embed="rId4"/>
+          <a:srcRect l="13127" t="6810" r="9062" b="7476"/>
+          <a:stretch/>
+        </p:blipFill>
+        <p:spPr bwMode="auto">
           <a:xfrm>
-            <a:off x="2062275" y="2847125"/>
-            <a:ext cx="0" cy="419099"/>
+            <a:off x="6770699" y="3486150"/>
+            <a:ext cx="2122966" cy="1603008"/>
           </a:xfrm>
-          <a:prstGeom prst="straightConnector1">
+          <a:prstGeom prst="rect">
             <a:avLst/>
           </a:prstGeom>
-          <a:noFill/>
-          <a:ln w="19050" cap="flat">
+          <a:ln w="6350" cap="sq">
             <a:solidFill>
-              <a:schemeClr val="dk2"/>
+              <a:schemeClr val="accent6">
+                <a:lumMod val="75000"/>
+              </a:schemeClr>
             </a:solidFill>
             <a:prstDash val="solid"/>
-            <a:round/>
-            <a:headEnd type="none" w="lg" len="lg"/>
-            <a:tailEnd type="triangle" w="lg" len="lg"/>
+            <a:miter lim="800000"/>
           </a:ln>
+          <a:effectLst>
+            <a:outerShdw blurRad="50800" dist="38100" dir="2700000" algn="tl" rotWithShape="0">
+              <a:srgbClr val="000000">
+                <a:alpha val="43000"/>
+              </a:srgbClr>
+            </a:outerShdw>
+          </a:effectLst>
         </p:spPr>
-      </p:cxnSp>
-      <p:cxnSp>
-        <p:nvCxnSpPr>
-          <p:cNvPr id="52" name="Shape 52"/>
-          <p:cNvCxnSpPr>
-            <a:stCxn id="50" idx="3"/>
-            <a:endCxn id="53" idx="1"/>
-          </p:cNvCxnSpPr>
-          <p:nvPr/>
-        </p:nvCxnSpPr>
-        <p:spPr>
-          <a:xfrm>
-            <a:off x="3311600" y="2065025"/>
-            <a:ext cx="990600" cy="388200"/>
-          </a:xfrm>
-          <a:prstGeom prst="straightConnector1">
-            <a:avLst/>
-          </a:prstGeom>
-          <a:noFill/>
-          <a:ln w="19050" cap="flat">
-            <a:solidFill>
-              <a:schemeClr val="dk2"/>
-            </a:solidFill>
-            <a:prstDash val="solid"/>
-            <a:round/>
-            <a:headEnd type="none" w="lg" len="lg"/>
-            <a:tailEnd type="triangle" w="lg" len="lg"/>
-          </a:ln>
-        </p:spPr>
-      </p:cxnSp>
-      <p:cxnSp>
-        <p:nvCxnSpPr>
-          <p:cNvPr id="54" name="Shape 54"/>
-          <p:cNvCxnSpPr>
-            <a:stCxn id="53" idx="6"/>
-            <a:endCxn id="55" idx="1"/>
-          </p:cNvCxnSpPr>
-          <p:nvPr/>
-        </p:nvCxnSpPr>
-        <p:spPr>
-          <a:xfrm>
-            <a:off x="5852724" y="2826875"/>
-            <a:ext cx="572100" cy="0"/>
-          </a:xfrm>
-          <a:prstGeom prst="straightConnector1">
-            <a:avLst/>
-          </a:prstGeom>
-          <a:noFill/>
-          <a:ln w="19050" cap="flat">
-            <a:solidFill>
-              <a:schemeClr val="dk2"/>
-            </a:solidFill>
-            <a:prstDash val="solid"/>
-            <a:round/>
-            <a:headEnd type="none" w="lg" len="lg"/>
-            <a:tailEnd type="triangle" w="lg" len="lg"/>
-          </a:ln>
-        </p:spPr>
-      </p:cxnSp>
-      <p:cxnSp>
-        <p:nvCxnSpPr>
-          <p:cNvPr id="56" name="Shape 56"/>
-          <p:cNvCxnSpPr/>
-          <p:nvPr/>
-        </p:nvCxnSpPr>
-        <p:spPr>
-          <a:xfrm rot="10800000">
-            <a:off x="5852850" y="2826875"/>
-            <a:ext cx="572099" cy="0"/>
-          </a:xfrm>
-          <a:prstGeom prst="straightConnector1">
-            <a:avLst/>
-          </a:prstGeom>
-          <a:noFill/>
-          <a:ln w="19050" cap="flat">
-            <a:solidFill>
-              <a:schemeClr val="dk2"/>
-            </a:solidFill>
-            <a:prstDash val="solid"/>
-            <a:round/>
-            <a:headEnd type="none" w="lg" len="lg"/>
-            <a:tailEnd type="triangle" w="lg" len="lg"/>
-          </a:ln>
-        </p:spPr>
-      </p:cxnSp>
-      <p:cxnSp>
-        <p:nvCxnSpPr>
-          <p:cNvPr id="57" name="Shape 57"/>
-          <p:cNvCxnSpPr>
-            <a:stCxn id="53" idx="1"/>
-            <a:endCxn id="50" idx="3"/>
-          </p:cNvCxnSpPr>
-          <p:nvPr/>
-        </p:nvCxnSpPr>
-        <p:spPr>
-          <a:xfrm rot="10800000">
-            <a:off x="3311645" y="2064898"/>
-            <a:ext cx="990600" cy="388200"/>
-          </a:xfrm>
-          <a:prstGeom prst="straightConnector1">
-            <a:avLst/>
-          </a:prstGeom>
-          <a:noFill/>
-          <a:ln w="19050" cap="flat">
-            <a:solidFill>
-              <a:schemeClr val="dk2"/>
-            </a:solidFill>
-            <a:prstDash val="solid"/>
-            <a:round/>
-            <a:headEnd type="none" w="lg" len="lg"/>
-            <a:tailEnd type="triangle" w="lg" len="lg"/>
-          </a:ln>
-        </p:spPr>
-      </p:cxnSp>
+      </p:pic>
       <p:pic>
         <p:nvPicPr>
-          <p:cNvPr id="59" name="Shape 59"/>
-          <p:cNvPicPr preferRelativeResize="0"/>
+          <p:cNvPr id="1028" name="Picture 4" descr="Hasil gambar untuk komoditas pertanian">
+            <a:extLst>
+              <a:ext uri="{FF2B5EF4-FFF2-40B4-BE49-F238E27FC236}">
+                <a16:creationId xmlns:a16="http://schemas.microsoft.com/office/drawing/2014/main" xmlns="" id="{4988B416-E4C8-45E9-930B-BDDB228AA6D6}"/>
+              </a:ext>
+            </a:extLst>
+          </p:cNvPr>
+          <p:cNvPicPr>
+            <a:picLocks noChangeAspect="1" noChangeArrowheads="1"/>
+          </p:cNvPicPr>
           <p:nvPr/>
         </p:nvPicPr>
         <p:blipFill>
-          <a:blip r:embed="rId4">
-            <a:alphaModFix/>
+          <a:blip r:embed="rId5">
+            <a:extLst>
+              <a:ext uri="{28A0092B-C50C-407E-A947-70E740481C1C}">
+                <a14:useLocalDpi xmlns:a14="http://schemas.microsoft.com/office/drawing/2010/main" xmlns="" val="0"/>
+              </a:ext>
+            </a:extLst>
           </a:blip>
+          <a:srcRect/>
           <a:stretch>
             <a:fillRect/>
           </a:stretch>
         </p:blipFill>
-        <p:spPr>
+        <p:spPr bwMode="auto">
           <a:xfrm>
-            <a:off x="6607825" y="773426"/>
-            <a:ext cx="1774175" cy="1798324"/>
+            <a:off x="158721" y="3106769"/>
+            <a:ext cx="2733924" cy="1830753"/>
           </a:xfrm>
           <a:prstGeom prst="rect">
             <a:avLst/>
           </a:prstGeom>
           <a:noFill/>
-          <a:ln>
-            <a:noFill/>
+          <a:extLst>
+            <a:ext uri="{909E8E84-426E-40DD-AFC4-6F175D3DCCD1}">
+              <a14:hiddenFill xmlns:a14="http://schemas.microsoft.com/office/drawing/2010/main" xmlns="">
+                <a:solidFill>
+                  <a:srgbClr val="FFFFFF"/>
+                </a:solidFill>
+              </a14:hiddenFill>
+            </a:ext>
+          </a:extLst>
+        </p:spPr>
+      </p:pic>
+      <p:cxnSp>
+        <p:nvCxnSpPr>
+          <p:cNvPr id="15" name="Connector: Elbow 14">
+            <a:extLst>
+              <a:ext uri="{FF2B5EF4-FFF2-40B4-BE49-F238E27FC236}">
+                <a16:creationId xmlns:a16="http://schemas.microsoft.com/office/drawing/2014/main" xmlns="" id="{E62F76A4-8030-479E-B46D-4808EC7F9B15}"/>
+              </a:ext>
+            </a:extLst>
+          </p:cNvPr>
+          <p:cNvCxnSpPr>
+            <a:cxnSpLocks/>
+            <a:stCxn id="50" idx="1"/>
+            <a:endCxn id="1028" idx="0"/>
+          </p:cNvCxnSpPr>
+          <p:nvPr/>
+        </p:nvCxnSpPr>
+        <p:spPr>
+          <a:xfrm rot="10800000" flipV="1">
+            <a:off x="1525684" y="2493589"/>
+            <a:ext cx="1451769" cy="613180"/>
+          </a:xfrm>
+          <a:prstGeom prst="bentConnector2">
+            <a:avLst/>
+          </a:prstGeom>
+          <a:ln w="76200">
+            <a:tailEnd type="triangle"/>
           </a:ln>
         </p:spPr>
-      </p:pic>
+        <p:style>
+          <a:lnRef idx="1">
+            <a:schemeClr val="accent1"/>
+          </a:lnRef>
+          <a:fillRef idx="0">
+            <a:schemeClr val="accent1"/>
+          </a:fillRef>
+          <a:effectRef idx="0">
+            <a:schemeClr val="accent1"/>
+          </a:effectRef>
+          <a:fontRef idx="minor">
+            <a:schemeClr val="tx1"/>
+          </a:fontRef>
+        </p:style>
+      </p:cxnSp>
+      <p:cxnSp>
+        <p:nvCxnSpPr>
+          <p:cNvPr id="20" name="Connector: Elbow 19">
+            <a:extLst>
+              <a:ext uri="{FF2B5EF4-FFF2-40B4-BE49-F238E27FC236}">
+                <a16:creationId xmlns:a16="http://schemas.microsoft.com/office/drawing/2014/main" xmlns="" id="{AF6CF3F0-B8E0-4D81-9B28-2F77588516DB}"/>
+              </a:ext>
+            </a:extLst>
+          </p:cNvPr>
+          <p:cNvCxnSpPr>
+            <a:cxnSpLocks/>
+            <a:stCxn id="50" idx="2"/>
+            <a:endCxn id="1026" idx="1"/>
+          </p:cNvCxnSpPr>
+          <p:nvPr/>
+        </p:nvCxnSpPr>
+        <p:spPr>
+          <a:xfrm rot="16200000" flipH="1">
+            <a:off x="5553056" y="3070011"/>
+            <a:ext cx="500626" cy="1934660"/>
+          </a:xfrm>
+          <a:prstGeom prst="bentConnector2">
+            <a:avLst/>
+          </a:prstGeom>
+          <a:ln w="76200">
+            <a:tailEnd type="triangle"/>
+          </a:ln>
+        </p:spPr>
+        <p:style>
+          <a:lnRef idx="1">
+            <a:schemeClr val="accent1"/>
+          </a:lnRef>
+          <a:fillRef idx="0">
+            <a:schemeClr val="accent1"/>
+          </a:fillRef>
+          <a:effectRef idx="0">
+            <a:schemeClr val="accent1"/>
+          </a:effectRef>
+          <a:fontRef idx="minor">
+            <a:schemeClr val="tx1"/>
+          </a:fontRef>
+        </p:style>
+      </p:cxnSp>
       <p:sp>
         <p:nvSpPr>
           <p:cNvPr id="53" name="Shape 53"/>
@@ -6112,8 +5097,8 @@
         </p:nvSpPr>
         <p:spPr>
           <a:xfrm>
-            <a:off x="4036225" y="2298275"/>
-            <a:ext cx="1816499" cy="1057200"/>
+            <a:off x="6934200" y="438150"/>
+            <a:ext cx="2017867" cy="1267323"/>
           </a:xfrm>
           <a:prstGeom prst="ellipse">
             <a:avLst/>
@@ -6144,6 +5129,38 @@
               <a:buNone/>
             </a:pPr>
             <a:r>
+              <a:rPr lang="id-ID" sz="1800" dirty="0" smtClean="0">
+                <a:solidFill>
+                  <a:schemeClr val="dk2"/>
+                </a:solidFill>
+                <a:latin typeface="Trebuchet MS"/>
+                <a:ea typeface="Trebuchet MS"/>
+                <a:cs typeface="Trebuchet MS"/>
+                <a:sym typeface="Trebuchet MS"/>
+              </a:rPr>
+              <a:t>Agriculture Academy</a:t>
+            </a:r>
+          </a:p>
+          <a:p>
+            <a:pPr lvl="0" algn="ctr" rtl="0">
+              <a:spcBef>
+                <a:spcPts val="0"/>
+              </a:spcBef>
+              <a:buNone/>
+            </a:pPr>
+            <a:r>
+              <a:rPr lang="id-ID" sz="1800" dirty="0" smtClean="0">
+                <a:solidFill>
+                  <a:schemeClr val="dk2"/>
+                </a:solidFill>
+                <a:latin typeface="Trebuchet MS"/>
+                <a:ea typeface="Trebuchet MS"/>
+                <a:cs typeface="Trebuchet MS"/>
+                <a:sym typeface="Trebuchet MS"/>
+              </a:rPr>
+              <a:t>(</a:t>
+            </a:r>
+            <a:r>
               <a:rPr lang="en" sz="1800" dirty="0" smtClean="0">
                 <a:solidFill>
                   <a:schemeClr val="dk2"/>
@@ -6165,7 +5182,7 @@
                 <a:cs typeface="Trebuchet MS"/>
                 <a:sym typeface="Trebuchet MS"/>
               </a:rPr>
-              <a:t>CA</a:t>
+              <a:t>CA)</a:t>
             </a:r>
             <a:endParaRPr lang="en" sz="1800" dirty="0">
               <a:solidFill>
@@ -6179,73 +5196,6 @@
           </a:p>
         </p:txBody>
       </p:sp>
-      <p:pic>
-        <p:nvPicPr>
-          <p:cNvPr id="1026" name="Picture 2" descr="C:\Users\Doni\Documents\GitHub\basdat-dan-psbo\Picture\Academy.jpg"/>
-          <p:cNvPicPr>
-            <a:picLocks noChangeAspect="1" noChangeArrowheads="1"/>
-          </p:cNvPicPr>
-          <p:nvPr/>
-        </p:nvPicPr>
-        <p:blipFill>
-          <a:blip r:embed="rId5"/>
-          <a:srcRect/>
-          <a:stretch>
-            <a:fillRect/>
-          </a:stretch>
-        </p:blipFill>
-        <p:spPr bwMode="auto">
-          <a:xfrm>
-            <a:off x="942090" y="3333750"/>
-            <a:ext cx="2334510" cy="1600200"/>
-          </a:xfrm>
-          <a:prstGeom prst="rect">
-            <a:avLst/>
-          </a:prstGeom>
-          <a:ln w="6350" cap="sq">
-            <a:solidFill>
-              <a:schemeClr val="accent6">
-                <a:lumMod val="75000"/>
-              </a:schemeClr>
-            </a:solidFill>
-            <a:prstDash val="solid"/>
-            <a:miter lim="800000"/>
-          </a:ln>
-          <a:effectLst>
-            <a:outerShdw blurRad="50800" dist="38100" dir="2700000" algn="tl" rotWithShape="0">
-              <a:srgbClr val="000000">
-                <a:alpha val="43000"/>
-              </a:srgbClr>
-            </a:outerShdw>
-          </a:effectLst>
-        </p:spPr>
-      </p:pic>
-      <p:pic>
-        <p:nvPicPr>
-          <p:cNvPr id="1027" name="Picture 3" descr="C:\Users\Doni\Documents\GitHub\basdat-dan-psbo\Picture\logo-dikbudsmall.jpg"/>
-          <p:cNvPicPr>
-            <a:picLocks noChangeAspect="1" noChangeArrowheads="1"/>
-          </p:cNvPicPr>
-          <p:nvPr/>
-        </p:nvPicPr>
-        <p:blipFill>
-          <a:blip r:embed="rId6"/>
-          <a:srcRect/>
-          <a:stretch>
-            <a:fillRect/>
-          </a:stretch>
-        </p:blipFill>
-        <p:spPr bwMode="auto">
-          <a:xfrm>
-            <a:off x="6629400" y="2647950"/>
-            <a:ext cx="1719491" cy="1600200"/>
-          </a:xfrm>
-          <a:prstGeom prst="rect">
-            <a:avLst/>
-          </a:prstGeom>
-          <a:noFill/>
-        </p:spPr>
-      </p:pic>
     </p:spTree>
   </p:cSld>
   <p:clrMapOvr>
@@ -6257,14 +5207,371 @@
   <p:timing>
     <p:tnLst>
       <p:par>
-        <p:cTn id="1" dur="indefinite" restart="never" nodeType="tmRoot"/>
+        <p:cTn id="1" dur="indefinite" restart="never" nodeType="tmRoot">
+          <p:childTnLst>
+            <p:seq concurrent="1" nextAc="seek">
+              <p:cTn id="2" dur="indefinite" nodeType="mainSeq">
+                <p:childTnLst>
+                  <p:par>
+                    <p:cTn id="3" fill="hold">
+                      <p:stCondLst>
+                        <p:cond delay="indefinite"/>
+                      </p:stCondLst>
+                      <p:childTnLst>
+                        <p:par>
+                          <p:cTn id="4" fill="hold">
+                            <p:stCondLst>
+                              <p:cond delay="0"/>
+                            </p:stCondLst>
+                            <p:childTnLst>
+                              <p:par>
+                                <p:cTn id="5" presetID="10" presetClass="entr" presetSubtype="0" fill="hold" nodeType="clickEffect">
+                                  <p:stCondLst>
+                                    <p:cond delay="0"/>
+                                  </p:stCondLst>
+                                  <p:childTnLst>
+                                    <p:set>
+                                      <p:cBhvr>
+                                        <p:cTn id="6" dur="1" fill="hold">
+                                          <p:stCondLst>
+                                            <p:cond delay="0"/>
+                                          </p:stCondLst>
+                                        </p:cTn>
+                                        <p:tgtEl>
+                                          <p:spTgt spid="1028"/>
+                                        </p:tgtEl>
+                                        <p:attrNameLst>
+                                          <p:attrName>style.visibility</p:attrName>
+                                        </p:attrNameLst>
+                                      </p:cBhvr>
+                                      <p:to>
+                                        <p:strVal val="visible"/>
+                                      </p:to>
+                                    </p:set>
+                                    <p:animEffect transition="in" filter="fade">
+                                      <p:cBhvr>
+                                        <p:cTn id="7" dur="500"/>
+                                        <p:tgtEl>
+                                          <p:spTgt spid="1028"/>
+                                        </p:tgtEl>
+                                      </p:cBhvr>
+                                    </p:animEffect>
+                                  </p:childTnLst>
+                                </p:cTn>
+                              </p:par>
+                              <p:par>
+                                <p:cTn id="8" presetID="10" presetClass="entr" presetSubtype="0" fill="hold" nodeType="withEffect">
+                                  <p:stCondLst>
+                                    <p:cond delay="0"/>
+                                  </p:stCondLst>
+                                  <p:childTnLst>
+                                    <p:set>
+                                      <p:cBhvr>
+                                        <p:cTn id="9" dur="1" fill="hold">
+                                          <p:stCondLst>
+                                            <p:cond delay="0"/>
+                                          </p:stCondLst>
+                                        </p:cTn>
+                                        <p:tgtEl>
+                                          <p:spTgt spid="15"/>
+                                        </p:tgtEl>
+                                        <p:attrNameLst>
+                                          <p:attrName>style.visibility</p:attrName>
+                                        </p:attrNameLst>
+                                      </p:cBhvr>
+                                      <p:to>
+                                        <p:strVal val="visible"/>
+                                      </p:to>
+                                    </p:set>
+                                    <p:animEffect transition="in" filter="fade">
+                                      <p:cBhvr>
+                                        <p:cTn id="10" dur="500"/>
+                                        <p:tgtEl>
+                                          <p:spTgt spid="15"/>
+                                        </p:tgtEl>
+                                      </p:cBhvr>
+                                    </p:animEffect>
+                                  </p:childTnLst>
+                                </p:cTn>
+                              </p:par>
+                            </p:childTnLst>
+                          </p:cTn>
+                        </p:par>
+                      </p:childTnLst>
+                    </p:cTn>
+                  </p:par>
+                  <p:par>
+                    <p:cTn id="11" fill="hold">
+                      <p:stCondLst>
+                        <p:cond delay="indefinite"/>
+                      </p:stCondLst>
+                      <p:childTnLst>
+                        <p:par>
+                          <p:cTn id="12" fill="hold">
+                            <p:stCondLst>
+                              <p:cond delay="0"/>
+                            </p:stCondLst>
+                            <p:childTnLst>
+                              <p:par>
+                                <p:cTn id="13" presetID="10" presetClass="entr" presetSubtype="0" fill="hold" nodeType="clickEffect">
+                                  <p:stCondLst>
+                                    <p:cond delay="0"/>
+                                  </p:stCondLst>
+                                  <p:childTnLst>
+                                    <p:set>
+                                      <p:cBhvr>
+                                        <p:cTn id="14" dur="1" fill="hold">
+                                          <p:stCondLst>
+                                            <p:cond delay="0"/>
+                                          </p:stCondLst>
+                                        </p:cTn>
+                                        <p:tgtEl>
+                                          <p:spTgt spid="20"/>
+                                        </p:tgtEl>
+                                        <p:attrNameLst>
+                                          <p:attrName>style.visibility</p:attrName>
+                                        </p:attrNameLst>
+                                      </p:cBhvr>
+                                      <p:to>
+                                        <p:strVal val="visible"/>
+                                      </p:to>
+                                    </p:set>
+                                    <p:animEffect transition="in" filter="fade">
+                                      <p:cBhvr>
+                                        <p:cTn id="15" dur="500"/>
+                                        <p:tgtEl>
+                                          <p:spTgt spid="20"/>
+                                        </p:tgtEl>
+                                      </p:cBhvr>
+                                    </p:animEffect>
+                                  </p:childTnLst>
+                                </p:cTn>
+                              </p:par>
+                              <p:par>
+                                <p:cTn id="16" presetID="10" presetClass="entr" presetSubtype="0" fill="hold" nodeType="withEffect">
+                                  <p:stCondLst>
+                                    <p:cond delay="0"/>
+                                  </p:stCondLst>
+                                  <p:childTnLst>
+                                    <p:set>
+                                      <p:cBhvr>
+                                        <p:cTn id="17" dur="1" fill="hold">
+                                          <p:stCondLst>
+                                            <p:cond delay="0"/>
+                                          </p:stCondLst>
+                                        </p:cTn>
+                                        <p:tgtEl>
+                                          <p:spTgt spid="1026"/>
+                                        </p:tgtEl>
+                                        <p:attrNameLst>
+                                          <p:attrName>style.visibility</p:attrName>
+                                        </p:attrNameLst>
+                                      </p:cBhvr>
+                                      <p:to>
+                                        <p:strVal val="visible"/>
+                                      </p:to>
+                                    </p:set>
+                                    <p:animEffect transition="in" filter="fade">
+                                      <p:cBhvr>
+                                        <p:cTn id="18" dur="500"/>
+                                        <p:tgtEl>
+                                          <p:spTgt spid="1026"/>
+                                        </p:tgtEl>
+                                      </p:cBhvr>
+                                    </p:animEffect>
+                                  </p:childTnLst>
+                                </p:cTn>
+                              </p:par>
+                            </p:childTnLst>
+                          </p:cTn>
+                        </p:par>
+                      </p:childTnLst>
+                    </p:cTn>
+                  </p:par>
+                  <p:par>
+                    <p:cTn id="19" fill="hold">
+                      <p:stCondLst>
+                        <p:cond delay="indefinite"/>
+                      </p:stCondLst>
+                      <p:childTnLst>
+                        <p:par>
+                          <p:cTn id="20" fill="hold">
+                            <p:stCondLst>
+                              <p:cond delay="0"/>
+                            </p:stCondLst>
+                            <p:childTnLst>
+                              <p:par>
+                                <p:cTn id="21" presetID="10" presetClass="entr" presetSubtype="0" fill="hold" grpId="0" nodeType="clickEffect">
+                                  <p:stCondLst>
+                                    <p:cond delay="0"/>
+                                  </p:stCondLst>
+                                  <p:childTnLst>
+                                    <p:set>
+                                      <p:cBhvr>
+                                        <p:cTn id="22" dur="1" fill="hold">
+                                          <p:stCondLst>
+                                            <p:cond delay="0"/>
+                                          </p:stCondLst>
+                                        </p:cTn>
+                                        <p:tgtEl>
+                                          <p:spTgt spid="53"/>
+                                        </p:tgtEl>
+                                        <p:attrNameLst>
+                                          <p:attrName>style.visibility</p:attrName>
+                                        </p:attrNameLst>
+                                      </p:cBhvr>
+                                      <p:to>
+                                        <p:strVal val="visible"/>
+                                      </p:to>
+                                    </p:set>
+                                    <p:animEffect transition="in" filter="fade">
+                                      <p:cBhvr>
+                                        <p:cTn id="23" dur="500"/>
+                                        <p:tgtEl>
+                                          <p:spTgt spid="53"/>
+                                        </p:tgtEl>
+                                      </p:cBhvr>
+                                    </p:animEffect>
+                                  </p:childTnLst>
+                                </p:cTn>
+                              </p:par>
+                            </p:childTnLst>
+                          </p:cTn>
+                        </p:par>
+                      </p:childTnLst>
+                    </p:cTn>
+                  </p:par>
+                </p:childTnLst>
+              </p:cTn>
+              <p:prevCondLst>
+                <p:cond evt="onPrev" delay="0">
+                  <p:tgtEl>
+                    <p:sldTgt/>
+                  </p:tgtEl>
+                </p:cond>
+              </p:prevCondLst>
+              <p:nextCondLst>
+                <p:cond evt="onNext" delay="0">
+                  <p:tgtEl>
+                    <p:sldTgt/>
+                  </p:tgtEl>
+                </p:cond>
+              </p:nextCondLst>
+            </p:seq>
+          </p:childTnLst>
+        </p:cTn>
       </p:par>
     </p:tnLst>
+    <p:bldLst>
+      <p:bldP spid="53" grpId="0" animBg="1"/>
+    </p:bldLst>
   </p:timing>
 </p:sld>
 </file>
 
 <file path=ppt/slides/slide3.xml><?xml version="1.0" encoding="utf-8"?>
+<p:sld xmlns:a="http://schemas.openxmlformats.org/drawingml/2006/main" xmlns:r="http://schemas.openxmlformats.org/officeDocument/2006/relationships" xmlns:p="http://schemas.openxmlformats.org/presentationml/2006/main">
+  <p:cSld>
+    <p:spTree>
+      <p:nvGrpSpPr>
+        <p:cNvPr id="1" name="Shape 63"/>
+        <p:cNvGrpSpPr/>
+        <p:nvPr/>
+      </p:nvGrpSpPr>
+      <p:grpSpPr>
+        <a:xfrm>
+          <a:off x="0" y="0"/>
+          <a:ext cx="0" cy="0"/>
+          <a:chOff x="0" y="0"/>
+          <a:chExt cx="0" cy="0"/>
+        </a:xfrm>
+      </p:grpSpPr>
+      <p:sp>
+        <p:nvSpPr>
+          <p:cNvPr id="64" name="Shape 64"/>
+          <p:cNvSpPr txBox="1">
+            <a:spLocks noGrp="1"/>
+          </p:cNvSpPr>
+          <p:nvPr>
+            <p:ph type="title"/>
+          </p:nvPr>
+        </p:nvSpPr>
+        <p:spPr>
+          <a:xfrm>
+            <a:off x="304800" y="-704850"/>
+            <a:ext cx="2895600" cy="2667000"/>
+          </a:xfrm>
+          <a:prstGeom prst="rect">
+            <a:avLst/>
+          </a:prstGeom>
+        </p:spPr>
+        <p:txBody>
+          <a:bodyPr lIns="91425" tIns="91425" rIns="91425" bIns="91425" anchor="b" anchorCtr="0">
+            <a:noAutofit/>
+          </a:bodyPr>
+          <a:lstStyle/>
+          <a:p>
+            <a:pPr>
+              <a:spcBef>
+                <a:spcPts val="0"/>
+              </a:spcBef>
+              <a:buNone/>
+            </a:pPr>
+            <a:r>
+              <a:rPr lang="en-GB" dirty="0"/>
+              <a:t>Entity Relationship Diagram</a:t>
+            </a:r>
+            <a:endParaRPr lang="en" dirty="0"/>
+          </a:p>
+        </p:txBody>
+      </p:sp>
+      <p:pic>
+        <p:nvPicPr>
+          <p:cNvPr id="3" name="Picture 2">
+            <a:extLst>
+              <a:ext uri="{FF2B5EF4-FFF2-40B4-BE49-F238E27FC236}">
+                <a16:creationId xmlns:a16="http://schemas.microsoft.com/office/drawing/2014/main" xmlns="" id="{68DA7B37-172C-44E4-8D74-4B48B78AD7EC}"/>
+              </a:ext>
+            </a:extLst>
+          </p:cNvPr>
+          <p:cNvPicPr>
+            <a:picLocks noChangeAspect="1"/>
+          </p:cNvPicPr>
+          <p:nvPr/>
+        </p:nvPicPr>
+        <p:blipFill>
+          <a:blip r:embed="rId3"/>
+          <a:stretch>
+            <a:fillRect/>
+          </a:stretch>
+        </p:blipFill>
+        <p:spPr>
+          <a:xfrm>
+            <a:off x="3478619" y="-3178"/>
+            <a:ext cx="5638800" cy="5143577"/>
+          </a:xfrm>
+          <a:prstGeom prst="rect">
+            <a:avLst/>
+          </a:prstGeom>
+        </p:spPr>
+      </p:pic>
+    </p:spTree>
+    <p:extLst>
+      <p:ext uri="{BB962C8B-B14F-4D97-AF65-F5344CB8AC3E}">
+        <p14:creationId xmlns:p14="http://schemas.microsoft.com/office/powerpoint/2010/main" xmlns="" val="3855982180"/>
+      </p:ext>
+    </p:extLst>
+  </p:cSld>
+  <p:clrMapOvr>
+    <a:masterClrMapping/>
+  </p:clrMapOvr>
+  <p:transition spd="slow">
+    <p:cut/>
+  </p:transition>
+</p:sld>
+</file>
+
+<file path=ppt/slides/slide4.xml><?xml version="1.0" encoding="utf-8"?>
 <p:sld xmlns:a="http://schemas.openxmlformats.org/drawingml/2006/main" xmlns:r="http://schemas.openxmlformats.org/officeDocument/2006/relationships" xmlns:p="http://schemas.openxmlformats.org/presentationml/2006/main">
   <p:cSld>
     <p:spTree>
@@ -6313,9 +5620,10 @@
               <a:buNone/>
             </a:pPr>
             <a:r>
-              <a:rPr lang="en"/>
-              <a:t>Deskripsi Aplikasi</a:t>
-            </a:r>
+              <a:rPr lang="en-GB" dirty="0" err="1"/>
+              <a:t>Tujuan</a:t>
+            </a:r>
+            <a:endParaRPr lang="en" dirty="0"/>
           </a:p>
         </p:txBody>
       </p:sp>
@@ -6344,157 +5652,145 @@
           </a:bodyPr>
           <a:lstStyle/>
           <a:p>
-            <a:pPr indent="457200" rtl="0">
+            <a:pPr indent="457200">
               <a:lnSpc>
                 <a:spcPct val="138000"/>
               </a:lnSpc>
-              <a:spcBef>
-                <a:spcPts val="0"/>
-              </a:spcBef>
-              <a:buNone/>
             </a:pPr>
             <a:r>
-              <a:rPr lang="en" sz="1800" dirty="0"/>
-              <a:t>Aplikasi yang akan dibuat adalah aplikasi </a:t>
-            </a:r>
-            <a:r>
-              <a:rPr lang="id-ID" sz="1800" dirty="0" smtClean="0"/>
-              <a:t>Pendidikan Tentang Pertanian </a:t>
-            </a:r>
-            <a:r>
-              <a:rPr lang="en" sz="1800" dirty="0" smtClean="0"/>
-              <a:t>berbasis </a:t>
-            </a:r>
-            <a:r>
-              <a:rPr lang="en" sz="1800" dirty="0"/>
-              <a:t>mobile. Aplikasi ini bisa diakses oleh seluruh kalangan </a:t>
-            </a:r>
-            <a:r>
-              <a:rPr lang="id-ID" sz="1800" dirty="0" smtClean="0"/>
-              <a:t>Siswa dan Profesional</a:t>
-            </a:r>
-            <a:r>
-              <a:rPr lang="en" sz="1800" dirty="0" smtClean="0"/>
-              <a:t>, </a:t>
-            </a:r>
-            <a:r>
-              <a:rPr lang="en" sz="1800" dirty="0"/>
-              <a:t>khususnya bagi </a:t>
-            </a:r>
-            <a:r>
-              <a:rPr lang="id-ID" sz="1800" dirty="0" smtClean="0"/>
-              <a:t>Guru </a:t>
-            </a:r>
-            <a:r>
-              <a:rPr lang="en" sz="1800" dirty="0" smtClean="0"/>
-              <a:t>yang </a:t>
-            </a:r>
-            <a:r>
-              <a:rPr lang="en" sz="1800" dirty="0"/>
-              <a:t>berkecimpung di dunia </a:t>
-            </a:r>
-            <a:r>
-              <a:rPr lang="en" sz="1800" dirty="0" smtClean="0"/>
-              <a:t>pe</a:t>
-            </a:r>
-            <a:r>
-              <a:rPr lang="id-ID" sz="1800" dirty="0" smtClean="0"/>
-              <a:t>ndidikan</a:t>
-            </a:r>
-            <a:r>
-              <a:rPr lang="en" sz="1800" dirty="0" smtClean="0"/>
-              <a:t>. </a:t>
-            </a:r>
-            <a:endParaRPr lang="en" sz="1800" dirty="0"/>
-          </a:p>
-          <a:p>
-            <a:pPr rtl="0">
-              <a:lnSpc>
-                <a:spcPct val="138000"/>
-              </a:lnSpc>
-              <a:spcBef>
-                <a:spcPts val="0"/>
-              </a:spcBef>
-              <a:buNone/>
-            </a:pPr>
-            <a:endParaRPr sz="1800" dirty="0"/>
-          </a:p>
-          <a:p>
-            <a:pPr indent="457200" rtl="0">
-              <a:lnSpc>
-                <a:spcPct val="138000"/>
-              </a:lnSpc>
-              <a:spcBef>
-                <a:spcPts val="0"/>
-              </a:spcBef>
-              <a:buNone/>
-            </a:pPr>
-            <a:r>
-              <a:rPr lang="en" sz="1800" dirty="0"/>
-              <a:t>Aplikasi ini </a:t>
-            </a:r>
-            <a:r>
-              <a:rPr lang="id-ID" sz="1800" dirty="0" smtClean="0"/>
-              <a:t>rencananya</a:t>
-            </a:r>
-            <a:r>
-              <a:rPr lang="en" sz="1800" dirty="0" smtClean="0"/>
+              <a:rPr lang="en-GB" sz="1800" dirty="0" err="1"/>
+              <a:t>Adapun</a:t>
+            </a:r>
+            <a:r>
+              <a:rPr lang="en-GB" sz="1800" dirty="0"/>
               <a:t> </a:t>
             </a:r>
             <a:r>
-              <a:rPr lang="en" sz="1800" dirty="0"/>
-              <a:t>terhubung dengan LITBANG </a:t>
-            </a:r>
-            <a:r>
-              <a:rPr lang="en" sz="1800" dirty="0" smtClean="0"/>
-              <a:t>Pertanian</a:t>
-            </a:r>
-            <a:r>
-              <a:rPr lang="id-ID" sz="1800" dirty="0" smtClean="0"/>
-              <a:t> dan Kementrian Pendidikan</a:t>
-            </a:r>
-            <a:r>
-              <a:rPr lang="en" sz="1800" dirty="0" smtClean="0"/>
-              <a:t>, </a:t>
-            </a:r>
-            <a:r>
-              <a:rPr lang="en" sz="1800" dirty="0"/>
-              <a:t>yang dapat </a:t>
-            </a:r>
-            <a:r>
-              <a:rPr lang="id-ID" sz="1800" dirty="0" smtClean="0"/>
-              <a:t>Menambah wawasan</a:t>
-            </a:r>
-            <a:r>
-              <a:rPr lang="en" sz="1800" dirty="0" smtClean="0"/>
-              <a:t>langsung </a:t>
-            </a:r>
-            <a:r>
-              <a:rPr lang="en" sz="1800" dirty="0"/>
-              <a:t>terhadap masalah tanaman </a:t>
-            </a:r>
-            <a:r>
-              <a:rPr lang="en" sz="1800" dirty="0" smtClean="0"/>
+              <a:rPr lang="en-GB" sz="1800" dirty="0" err="1"/>
+              <a:t>tujuan</a:t>
+            </a:r>
+            <a:r>
+              <a:rPr lang="en-GB" sz="1800" dirty="0"/>
+              <a:t> </a:t>
+            </a:r>
+            <a:r>
+              <a:rPr lang="en-GB" sz="1800" dirty="0" err="1"/>
+              <a:t>dari</a:t>
+            </a:r>
+            <a:r>
+              <a:rPr lang="en-GB" sz="1800" dirty="0"/>
+              <a:t> </a:t>
+            </a:r>
+            <a:r>
+              <a:rPr lang="en-GB" sz="1800" dirty="0" err="1"/>
+              <a:t>projek</a:t>
+            </a:r>
+            <a:r>
+              <a:rPr lang="en-GB" sz="1800" dirty="0"/>
+              <a:t> </a:t>
+            </a:r>
+            <a:r>
+              <a:rPr lang="en-GB" sz="1800" dirty="0" err="1"/>
+              <a:t>akhir</a:t>
+            </a:r>
+            <a:r>
+              <a:rPr lang="en-GB" sz="1800" dirty="0"/>
+              <a:t> </a:t>
+            </a:r>
+            <a:r>
+              <a:rPr lang="en-GB" sz="1800" dirty="0" err="1"/>
+              <a:t>ini</a:t>
+            </a:r>
+            <a:r>
+              <a:rPr lang="en-GB" sz="1800" dirty="0"/>
+              <a:t> </a:t>
+            </a:r>
+            <a:r>
+              <a:rPr lang="en-GB" sz="1800" dirty="0" err="1"/>
+              <a:t>adalah</a:t>
+            </a:r>
+            <a:r>
+              <a:rPr lang="en-GB" sz="1800" dirty="0"/>
+              <a:t> </a:t>
+            </a:r>
+            <a:r>
+              <a:rPr lang="en-GB" sz="1800" dirty="0" err="1"/>
+              <a:t>sebagai</a:t>
+            </a:r>
+            <a:r>
+              <a:rPr lang="en-GB" sz="1800" dirty="0"/>
+              <a:t> media </a:t>
+            </a:r>
+            <a:r>
+              <a:rPr lang="en-GB" sz="1800" dirty="0" err="1"/>
+              <a:t>pembelajaran</a:t>
+            </a:r>
+            <a:r>
+              <a:rPr lang="en-GB" sz="1800" dirty="0"/>
+              <a:t> digital (</a:t>
+            </a:r>
+            <a:r>
+              <a:rPr lang="en-GB" sz="1800" dirty="0" err="1"/>
+              <a:t>ELearning</a:t>
+            </a:r>
+            <a:r>
+              <a:rPr lang="en-GB" sz="1800" dirty="0"/>
+              <a:t>) </a:t>
+            </a:r>
+            <a:r>
+              <a:rPr lang="en-GB" sz="1800" dirty="0" err="1"/>
+              <a:t>bagi</a:t>
+            </a:r>
+            <a:r>
+              <a:rPr lang="en-GB" sz="1800" dirty="0"/>
+              <a:t> </a:t>
+            </a:r>
+            <a:r>
+              <a:rPr lang="en-GB" sz="1800" dirty="0" err="1"/>
+              <a:t>siswa</a:t>
+            </a:r>
+            <a:r>
+              <a:rPr lang="en-GB" sz="1800" dirty="0"/>
+              <a:t> </a:t>
+            </a:r>
+            <a:r>
+              <a:rPr lang="en-GB" sz="1800" dirty="0" err="1"/>
+              <a:t>dan</a:t>
+            </a:r>
+            <a:r>
+              <a:rPr lang="en-GB" sz="1800" dirty="0"/>
+              <a:t> </a:t>
+            </a:r>
+            <a:r>
+              <a:rPr lang="en-GB" sz="1800" dirty="0" err="1"/>
+              <a:t>siswi</a:t>
+            </a:r>
+            <a:r>
+              <a:rPr lang="en-GB" sz="1800" dirty="0"/>
+              <a:t> di Indonesia </a:t>
+            </a:r>
+            <a:r>
+              <a:rPr lang="en-GB" sz="1800" dirty="0" err="1"/>
+              <a:t>dalam</a:t>
+            </a:r>
+            <a:r>
+              <a:rPr lang="en-GB" sz="1800" dirty="0"/>
+              <a:t> </a:t>
+            </a:r>
+            <a:r>
+              <a:rPr lang="en-GB" sz="1800" dirty="0" err="1"/>
+              <a:t>bidang</a:t>
+            </a:r>
+            <a:r>
+              <a:rPr lang="en-GB" sz="1800" dirty="0"/>
+              <a:t> </a:t>
+            </a:r>
+            <a:r>
+              <a:rPr lang="en-GB" sz="1800" dirty="0" err="1"/>
               <a:t>pertanian</a:t>
             </a:r>
             <a:r>
-              <a:rPr lang="id-ID" sz="1800" dirty="0" smtClean="0"/>
-              <a:t> dan pendidikan</a:t>
-            </a:r>
-            <a:r>
-              <a:rPr lang="en" sz="1800" dirty="0" smtClean="0"/>
-              <a:t> </a:t>
-            </a:r>
-            <a:r>
-              <a:rPr lang="en" sz="1800" dirty="0"/>
-              <a:t>yang dihadapi </a:t>
-            </a:r>
-            <a:r>
-              <a:rPr lang="id-ID" sz="1800" smtClean="0"/>
-              <a:t>para siswa dan juga guru</a:t>
-            </a:r>
-            <a:r>
-              <a:rPr lang="en" sz="1800" smtClean="0"/>
+              <a:rPr lang="en-GB" sz="1800" dirty="0"/>
               <a:t>.</a:t>
             </a:r>
             <a:endParaRPr lang="en" sz="1800" dirty="0"/>
@@ -6502,6 +5798,11 @@
         </p:txBody>
       </p:sp>
     </p:spTree>
+    <p:extLst>
+      <p:ext uri="{BB962C8B-B14F-4D97-AF65-F5344CB8AC3E}">
+        <p14:creationId xmlns:p14="http://schemas.microsoft.com/office/powerpoint/2010/main" xmlns="" val="3265112382"/>
+      </p:ext>
+    </p:extLst>
   </p:cSld>
   <p:clrMapOvr>
     <a:masterClrMapping/>
@@ -6509,22 +5810,15 @@
   <p:transition spd="slow">
     <p:cut/>
   </p:transition>
-  <p:timing>
-    <p:tnLst>
-      <p:par>
-        <p:cTn id="1" dur="indefinite" restart="never" nodeType="tmRoot"/>
-      </p:par>
-    </p:tnLst>
-  </p:timing>
 </p:sld>
 </file>
 
-<file path=ppt/slides/slide4.xml><?xml version="1.0" encoding="utf-8"?>
+<file path=ppt/slides/slide5.xml><?xml version="1.0" encoding="utf-8"?>
 <p:sld xmlns:a="http://schemas.openxmlformats.org/drawingml/2006/main" xmlns:r="http://schemas.openxmlformats.org/officeDocument/2006/relationships" xmlns:p="http://schemas.openxmlformats.org/presentationml/2006/main">
   <p:cSld>
     <p:spTree>
       <p:nvGrpSpPr>
-        <p:cNvPr id="1" name="Shape 69"/>
+        <p:cNvPr id="1" name="Shape 63"/>
         <p:cNvGrpSpPr/>
         <p:nvPr/>
       </p:nvGrpSpPr>
@@ -6538,7 +5832,7 @@
       </p:grpSpPr>
       <p:sp>
         <p:nvSpPr>
-          <p:cNvPr id="70" name="Shape 70"/>
+          <p:cNvPr id="64" name="Shape 64"/>
           <p:cNvSpPr txBox="1">
             <a:spLocks noGrp="1"/>
           </p:cNvSpPr>
@@ -6568,110 +5862,193 @@
               <a:buNone/>
             </a:pPr>
             <a:r>
-              <a:rPr lang="en"/>
-              <a:t>Platform</a:t>
-            </a:r>
+              <a:rPr lang="en-GB" dirty="0"/>
+              <a:t>Batasan</a:t>
+            </a:r>
+            <a:endParaRPr lang="en" dirty="0"/>
           </a:p>
         </p:txBody>
       </p:sp>
-      <p:pic>
-        <p:nvPicPr>
-          <p:cNvPr id="71" name="Shape 71"/>
-          <p:cNvPicPr preferRelativeResize="0"/>
-          <p:nvPr/>
-        </p:nvPicPr>
-        <p:blipFill>
-          <a:blip r:embed="rId3">
-            <a:alphaModFix/>
-          </a:blip>
-          <a:stretch>
-            <a:fillRect/>
-          </a:stretch>
-        </p:blipFill>
+      <p:sp>
+        <p:nvSpPr>
+          <p:cNvPr id="65" name="Shape 65"/>
+          <p:cNvSpPr txBox="1">
+            <a:spLocks noGrp="1"/>
+          </p:cNvSpPr>
+          <p:nvPr>
+            <p:ph type="body" idx="1"/>
+          </p:nvPr>
+        </p:nvSpPr>
         <p:spPr>
           <a:xfrm>
-            <a:off x="1807549" y="2266950"/>
-            <a:ext cx="1142850" cy="1064522"/>
+            <a:off x="457200" y="1150775"/>
+            <a:ext cx="7941649" cy="3554575"/>
           </a:xfrm>
           <a:prstGeom prst="rect">
             <a:avLst/>
           </a:prstGeom>
-          <a:noFill/>
-          <a:ln>
-            <a:noFill/>
-          </a:ln>
         </p:spPr>
-      </p:pic>
-      <p:pic>
-        <p:nvPicPr>
-          <p:cNvPr id="72" name="Shape 72"/>
-          <p:cNvPicPr preferRelativeResize="0"/>
-          <p:nvPr/>
-        </p:nvPicPr>
-        <p:blipFill>
-          <a:blip r:embed="rId4">
-            <a:alphaModFix/>
-          </a:blip>
-          <a:stretch>
-            <a:fillRect/>
-          </a:stretch>
-        </p:blipFill>
-        <p:spPr>
-          <a:xfrm>
-            <a:off x="1418231" y="1289900"/>
-            <a:ext cx="1927349" cy="3320242"/>
-          </a:xfrm>
-          <a:prstGeom prst="rect">
-            <a:avLst/>
-          </a:prstGeom>
-          <a:noFill/>
-          <a:ln>
-            <a:noFill/>
-          </a:ln>
-        </p:spPr>
-      </p:pic>
-      <p:pic>
-        <p:nvPicPr>
-          <p:cNvPr id="1027" name="Picture 3" descr="E:\adek\flat-screen-32307_640.png"/>
-          <p:cNvPicPr>
-            <a:picLocks noChangeAspect="1" noChangeArrowheads="1"/>
-          </p:cNvPicPr>
-          <p:nvPr/>
-        </p:nvPicPr>
-        <p:blipFill>
-          <a:blip r:embed="rId5">
-            <a:extLst>
-              <a:ext uri="{28A0092B-C50C-407E-A947-70E740481C1C}">
-                <a14:useLocalDpi xmlns:a14="http://schemas.microsoft.com/office/drawing/2010/main" xmlns="" val="0"/>
-              </a:ext>
-            </a:extLst>
-          </a:blip>
-          <a:srcRect/>
-          <a:stretch>
-            <a:fillRect/>
-          </a:stretch>
-        </p:blipFill>
-        <p:spPr bwMode="auto">
-          <a:xfrm>
-            <a:off x="4648200" y="1758177"/>
-            <a:ext cx="2982751" cy="2512035"/>
-          </a:xfrm>
-          <a:prstGeom prst="rect">
-            <a:avLst/>
-          </a:prstGeom>
-          <a:noFill/>
-          <a:extLst>
-            <a:ext uri="{909E8E84-426E-40DD-AFC4-6F175D3DCCD1}">
-              <a14:hiddenFill xmlns:a14="http://schemas.microsoft.com/office/drawing/2010/main" xmlns="">
-                <a:solidFill>
-                  <a:srgbClr val="FFFFFF"/>
-                </a:solidFill>
-              </a14:hiddenFill>
-            </a:ext>
-          </a:extLst>
-        </p:spPr>
-      </p:pic>
+        <p:txBody>
+          <a:bodyPr lIns="91425" tIns="91425" rIns="91425" bIns="91425" anchor="t" anchorCtr="0">
+            <a:noAutofit/>
+          </a:bodyPr>
+          <a:lstStyle/>
+          <a:p>
+            <a:pPr marL="285750" indent="-285750">
+              <a:lnSpc>
+                <a:spcPct val="138000"/>
+              </a:lnSpc>
+              <a:buFont typeface="Arial" panose="020B0604020202020204" pitchFamily="34" charset="0"/>
+              <a:buChar char="•"/>
+            </a:pPr>
+            <a:r>
+              <a:rPr lang="en-GB" sz="1800" dirty="0" err="1"/>
+              <a:t>Aplikasi</a:t>
+            </a:r>
+            <a:r>
+              <a:rPr lang="en-GB" sz="1800" dirty="0"/>
+              <a:t> </a:t>
+            </a:r>
+            <a:r>
+              <a:rPr lang="en-GB" sz="1800" dirty="0" err="1"/>
+              <a:t>digunakan</a:t>
+            </a:r>
+            <a:r>
+              <a:rPr lang="en-GB" sz="1800" dirty="0"/>
+              <a:t> </a:t>
+            </a:r>
+            <a:r>
+              <a:rPr lang="en-GB" sz="1800" dirty="0" err="1"/>
+              <a:t>untuk</a:t>
+            </a:r>
+            <a:r>
+              <a:rPr lang="en-GB" sz="1800" dirty="0"/>
+              <a:t> </a:t>
+            </a:r>
+            <a:r>
+              <a:rPr lang="en-GB" sz="1800" dirty="0" err="1"/>
+              <a:t>tingkat</a:t>
+            </a:r>
+            <a:r>
+              <a:rPr lang="en-GB" sz="1800" dirty="0"/>
+              <a:t> SD </a:t>
+            </a:r>
+            <a:r>
+              <a:rPr lang="en-GB" sz="1800" dirty="0" err="1"/>
+              <a:t>sampai</a:t>
+            </a:r>
+            <a:r>
+              <a:rPr lang="en-GB" sz="1800" dirty="0"/>
+              <a:t> </a:t>
+            </a:r>
+            <a:r>
+              <a:rPr lang="en-GB" sz="1800" dirty="0" err="1"/>
+              <a:t>dengan</a:t>
+            </a:r>
+            <a:r>
+              <a:rPr lang="en-GB" sz="1800" dirty="0"/>
+              <a:t> SMU.</a:t>
+            </a:r>
+          </a:p>
+          <a:p>
+            <a:pPr marL="285750" indent="-285750">
+              <a:lnSpc>
+                <a:spcPct val="138000"/>
+              </a:lnSpc>
+              <a:buFont typeface="Arial" panose="020B0604020202020204" pitchFamily="34" charset="0"/>
+              <a:buChar char="•"/>
+            </a:pPr>
+            <a:r>
+              <a:rPr lang="en-GB" sz="1800" dirty="0" err="1"/>
+              <a:t>Aplikasi</a:t>
+            </a:r>
+            <a:r>
+              <a:rPr lang="en-GB" sz="1800" dirty="0"/>
+              <a:t> </a:t>
+            </a:r>
+            <a:r>
+              <a:rPr lang="en-GB" sz="1800" dirty="0" err="1"/>
+              <a:t>berbasis</a:t>
+            </a:r>
+            <a:r>
+              <a:rPr lang="en-GB" sz="1800" dirty="0"/>
+              <a:t> web </a:t>
+            </a:r>
+            <a:r>
+              <a:rPr lang="en-GB" sz="1800" dirty="0" err="1"/>
+              <a:t>dan</a:t>
+            </a:r>
+            <a:r>
+              <a:rPr lang="en-GB" sz="1800" dirty="0"/>
+              <a:t> mobile (android).</a:t>
+            </a:r>
+          </a:p>
+          <a:p>
+            <a:pPr marL="285750" indent="-285750">
+              <a:lnSpc>
+                <a:spcPct val="138000"/>
+              </a:lnSpc>
+              <a:buFont typeface="Arial" panose="020B0604020202020204" pitchFamily="34" charset="0"/>
+              <a:buChar char="•"/>
+            </a:pPr>
+            <a:r>
+              <a:rPr lang="en-GB" sz="1800" dirty="0" err="1"/>
+              <a:t>Aplikasi</a:t>
+            </a:r>
+            <a:r>
+              <a:rPr lang="en-GB" sz="1800" dirty="0"/>
+              <a:t> </a:t>
+            </a:r>
+            <a:r>
+              <a:rPr lang="en-GB" sz="1800" dirty="0" err="1"/>
+              <a:t>ini</a:t>
+            </a:r>
+            <a:r>
+              <a:rPr lang="en-GB" sz="1800" dirty="0"/>
+              <a:t> </a:t>
+            </a:r>
+            <a:r>
+              <a:rPr lang="en-GB" sz="1800" dirty="0" err="1"/>
+              <a:t>hanya</a:t>
+            </a:r>
+            <a:r>
+              <a:rPr lang="en-GB" sz="1800" dirty="0"/>
+              <a:t> </a:t>
+            </a:r>
+            <a:r>
+              <a:rPr lang="en-GB" sz="1800" dirty="0" err="1"/>
+              <a:t>untuk</a:t>
+            </a:r>
+            <a:r>
+              <a:rPr lang="en-GB" sz="1800" dirty="0"/>
+              <a:t> </a:t>
+            </a:r>
+            <a:r>
+              <a:rPr lang="en-GB" sz="1800" dirty="0" err="1"/>
+              <a:t>bidang</a:t>
+            </a:r>
+            <a:r>
+              <a:rPr lang="en-GB" sz="1800" dirty="0"/>
+              <a:t> </a:t>
+            </a:r>
+            <a:r>
+              <a:rPr lang="en-GB" sz="1800" dirty="0" err="1"/>
+              <a:t>pertanian</a:t>
+            </a:r>
+            <a:r>
+              <a:rPr lang="en-GB" sz="1800" dirty="0"/>
+              <a:t>.</a:t>
+            </a:r>
+            <a:endParaRPr lang="en" sz="1800" dirty="0"/>
+          </a:p>
+        </p:txBody>
+      </p:sp>
     </p:spTree>
+    <p:extLst>
+      <p:ext uri="{BB962C8B-B14F-4D97-AF65-F5344CB8AC3E}">
+        <p14:creationId xmlns:p14="http://schemas.microsoft.com/office/powerpoint/2010/main" xmlns="" val="4118285548"/>
+      </p:ext>
+    </p:extLst>
   </p:cSld>
   <p:clrMapOvr>
     <a:masterClrMapping/>
@@ -6679,22 +6056,15 @@
   <p:transition spd="slow">
     <p:cut/>
   </p:transition>
-  <p:timing>
-    <p:tnLst>
-      <p:par>
-        <p:cTn id="1" dur="indefinite" restart="never" nodeType="tmRoot"/>
-      </p:par>
-    </p:tnLst>
-  </p:timing>
 </p:sld>
 </file>
 
-<file path=ppt/slides/slide5.xml><?xml version="1.0" encoding="utf-8"?>
+<file path=ppt/slides/slide6.xml><?xml version="1.0" encoding="utf-8"?>
 <p:sld xmlns:a="http://schemas.openxmlformats.org/drawingml/2006/main" xmlns:r="http://schemas.openxmlformats.org/officeDocument/2006/relationships" xmlns:p="http://schemas.openxmlformats.org/presentationml/2006/main">
   <p:cSld>
     <p:spTree>
       <p:nvGrpSpPr>
-        <p:cNvPr id="1" name="Shape 76"/>
+        <p:cNvPr id="1" name="Shape 111"/>
         <p:cNvGrpSpPr/>
         <p:nvPr/>
       </p:nvGrpSpPr>
@@ -6708,7 +6078,7 @@
       </p:grpSpPr>
       <p:sp>
         <p:nvSpPr>
-          <p:cNvPr id="77" name="Shape 77"/>
+          <p:cNvPr id="112" name="Shape 112"/>
           <p:cNvSpPr txBox="1">
             <a:spLocks noGrp="1"/>
           </p:cNvSpPr>
@@ -6718,8 +6088,8 @@
         </p:nvSpPr>
         <p:spPr>
           <a:xfrm>
-            <a:off x="457200" y="205978"/>
-            <a:ext cx="8229600" cy="857400"/>
+            <a:off x="457200" y="1884569"/>
+            <a:ext cx="8229600" cy="946499"/>
           </a:xfrm>
           <a:prstGeom prst="rect">
             <a:avLst/>
@@ -6731,45 +6101,20 @@
           </a:bodyPr>
           <a:lstStyle/>
           <a:p>
-            <a:pPr>
+            <a:pPr lvl="0" algn="ctr" rtl="0">
               <a:spcBef>
                 <a:spcPts val="0"/>
               </a:spcBef>
               <a:buNone/>
             </a:pPr>
             <a:r>
-              <a:rPr lang="en"/>
-              <a:t>Use Case Diagram</a:t>
-            </a:r>
+              <a:rPr lang="en-GB" sz="4800" dirty="0"/>
+              <a:t>Demo Program</a:t>
+            </a:r>
+            <a:endParaRPr lang="en" sz="4800" dirty="0"/>
           </a:p>
         </p:txBody>
       </p:sp>
-      <p:pic>
-        <p:nvPicPr>
-          <p:cNvPr id="2050" name="Picture 2" descr="C:\Users\Doni\Documents\GitHub\basdat-dan-psbo\Use case.jpeg"/>
-          <p:cNvPicPr>
-            <a:picLocks noChangeAspect="1" noChangeArrowheads="1"/>
-          </p:cNvPicPr>
-          <p:nvPr/>
-        </p:nvPicPr>
-        <p:blipFill>
-          <a:blip r:embed="rId3"/>
-          <a:srcRect/>
-          <a:stretch>
-            <a:fillRect/>
-          </a:stretch>
-        </p:blipFill>
-        <p:spPr bwMode="auto">
-          <a:xfrm>
-            <a:off x="1447800" y="1047750"/>
-            <a:ext cx="3654491" cy="3581400"/>
-          </a:xfrm>
-          <a:prstGeom prst="rect">
-            <a:avLst/>
-          </a:prstGeom>
-          <a:noFill/>
-        </p:spPr>
-      </p:pic>
     </p:spTree>
   </p:cSld>
   <p:clrMapOvr>
@@ -6778,22 +6123,15 @@
   <p:transition spd="slow">
     <p:cut/>
   </p:transition>
-  <p:timing>
-    <p:tnLst>
-      <p:par>
-        <p:cTn id="1" dur="indefinite" restart="never" nodeType="tmRoot"/>
-      </p:par>
-    </p:tnLst>
-  </p:timing>
 </p:sld>
 </file>
 
-<file path=ppt/slides/slide6.xml><?xml version="1.0" encoding="utf-8"?>
+<file path=ppt/slides/slide7.xml><?xml version="1.0" encoding="utf-8"?>
 <p:sld xmlns:a="http://schemas.openxmlformats.org/drawingml/2006/main" xmlns:r="http://schemas.openxmlformats.org/officeDocument/2006/relationships" xmlns:p="http://schemas.openxmlformats.org/presentationml/2006/main">
   <p:cSld>
     <p:spTree>
       <p:nvGrpSpPr>
-        <p:cNvPr id="1" name="Shape 82"/>
+        <p:cNvPr id="1" name="Shape 111"/>
         <p:cNvGrpSpPr/>
         <p:nvPr/>
       </p:nvGrpSpPr>
@@ -6807,7 +6145,7 @@
       </p:grpSpPr>
       <p:sp>
         <p:nvSpPr>
-          <p:cNvPr id="83" name="Shape 83"/>
+          <p:cNvPr id="112" name="Shape 112"/>
           <p:cNvSpPr txBox="1">
             <a:spLocks noGrp="1"/>
           </p:cNvSpPr>
@@ -6817,8 +6155,8 @@
         </p:nvSpPr>
         <p:spPr>
           <a:xfrm>
-            <a:off x="457200" y="205978"/>
-            <a:ext cx="8229600" cy="857400"/>
+            <a:off x="457200" y="1884569"/>
+            <a:ext cx="8229600" cy="946499"/>
           </a:xfrm>
           <a:prstGeom prst="rect">
             <a:avLst/>
@@ -6830,103 +6168,25 @@
           </a:bodyPr>
           <a:lstStyle/>
           <a:p>
-            <a:pPr>
+            <a:pPr lvl="0" algn="ctr" rtl="0">
               <a:spcBef>
                 <a:spcPts val="0"/>
               </a:spcBef>
               <a:buNone/>
             </a:pPr>
             <a:r>
-              <a:rPr lang="en"/>
-              <a:t>Activity Diagram</a:t>
-            </a:r>
-          </a:p>
-        </p:txBody>
-      </p:sp>
-      <p:pic>
-        <p:nvPicPr>
-          <p:cNvPr id="3074" name="Picture 2" descr="C:\Users\Doni\Documents\GitHub\basdat-dan-psbo\activity diagram\AD Melihat Profile Murid.png"/>
-          <p:cNvPicPr>
-            <a:picLocks noChangeAspect="1" noChangeArrowheads="1"/>
-          </p:cNvPicPr>
-          <p:nvPr/>
-        </p:nvPicPr>
-        <p:blipFill>
-          <a:blip r:embed="rId3"/>
-          <a:srcRect/>
-          <a:stretch>
-            <a:fillRect/>
-          </a:stretch>
-        </p:blipFill>
-        <p:spPr bwMode="auto">
-          <a:xfrm>
-            <a:off x="1295400" y="1126080"/>
-            <a:ext cx="3886200" cy="3470563"/>
-          </a:xfrm>
-          <a:prstGeom prst="rect">
-            <a:avLst/>
-          </a:prstGeom>
-          <a:noFill/>
-        </p:spPr>
-      </p:pic>
-      <p:sp>
-        <p:nvSpPr>
-          <p:cNvPr id="5" name="TextBox 4"/>
-          <p:cNvSpPr txBox="1"/>
-          <p:nvPr/>
-        </p:nvSpPr>
-        <p:spPr>
-          <a:xfrm>
-            <a:off x="5410200" y="2419350"/>
-            <a:ext cx="2646878" cy="707886"/>
-          </a:xfrm>
-          <a:prstGeom prst="rect">
-            <a:avLst/>
-          </a:prstGeom>
-          <a:noFill/>
-        </p:spPr>
-        <p:txBody>
-          <a:bodyPr wrap="none" rtlCol="0">
-            <a:spAutoFit/>
-          </a:bodyPr>
-          <a:lstStyle/>
-          <a:p>
-            <a:r>
-              <a:rPr lang="id-ID" sz="2000" dirty="0" smtClean="0">
-                <a:latin typeface="Bitstream Vera Sans Mono" pitchFamily="49" charset="0"/>
-              </a:rPr>
-              <a:t>Melihat </a:t>
-            </a:r>
-            <a:r>
-              <a:rPr lang="id-ID" sz="2000" dirty="0" smtClean="0">
-                <a:latin typeface="Bitstream Vera Sans Mono" pitchFamily="49" charset="0"/>
-              </a:rPr>
-              <a:t>Profile </a:t>
-            </a:r>
-            <a:endParaRPr lang="id-ID" sz="2000" dirty="0" smtClean="0">
-              <a:latin typeface="Bitstream Vera Sans Mono" pitchFamily="49" charset="0"/>
-            </a:endParaRPr>
-          </a:p>
-          <a:p>
-            <a:r>
-              <a:rPr lang="id-ID" sz="2000" dirty="0" smtClean="0">
-                <a:latin typeface="Bitstream Vera Sans Mono" pitchFamily="49" charset="0"/>
-              </a:rPr>
-              <a:t> </a:t>
-            </a:r>
-            <a:r>
-              <a:rPr lang="id-ID" sz="2000" dirty="0" smtClean="0">
-                <a:latin typeface="Bitstream Vera Sans Mono" pitchFamily="49" charset="0"/>
-              </a:rPr>
-              <a:t>    Murid</a:t>
-            </a:r>
-            <a:endParaRPr lang="id-ID" sz="2000" dirty="0">
-              <a:latin typeface="Bitstream Vera Sans Mono" pitchFamily="49" charset="0"/>
-            </a:endParaRPr>
+              <a:rPr lang="en" sz="4800"/>
+              <a:t>Terima Kasih</a:t>
+            </a:r>
           </a:p>
         </p:txBody>
       </p:sp>
     </p:spTree>
+    <p:extLst>
+      <p:ext uri="{BB962C8B-B14F-4D97-AF65-F5344CB8AC3E}">
+        <p14:creationId xmlns:p14="http://schemas.microsoft.com/office/powerpoint/2010/main" xmlns="" val="32698306"/>
+      </p:ext>
+    </p:extLst>
   </p:cSld>
   <p:clrMapOvr>
     <a:masterClrMapping/>
@@ -6934,475 +6194,6 @@
   <p:transition spd="slow">
     <p:cut/>
   </p:transition>
-  <p:timing>
-    <p:tnLst>
-      <p:par>
-        <p:cTn id="1" dur="indefinite" restart="never" nodeType="tmRoot"/>
-      </p:par>
-    </p:tnLst>
-  </p:timing>
-</p:sld>
-</file>
-
-<file path=ppt/slides/slide7.xml><?xml version="1.0" encoding="utf-8"?>
-<p:sld xmlns:a="http://schemas.openxmlformats.org/drawingml/2006/main" xmlns:r="http://schemas.openxmlformats.org/officeDocument/2006/relationships" xmlns:p="http://schemas.openxmlformats.org/presentationml/2006/main">
-  <p:cSld>
-    <p:spTree>
-      <p:nvGrpSpPr>
-        <p:cNvPr id="1" name="Shape 88"/>
-        <p:cNvGrpSpPr/>
-        <p:nvPr/>
-      </p:nvGrpSpPr>
-      <p:grpSpPr>
-        <a:xfrm>
-          <a:off x="0" y="0"/>
-          <a:ext cx="0" cy="0"/>
-          <a:chOff x="0" y="0"/>
-          <a:chExt cx="0" cy="0"/>
-        </a:xfrm>
-      </p:grpSpPr>
-      <p:sp>
-        <p:nvSpPr>
-          <p:cNvPr id="89" name="Shape 89"/>
-          <p:cNvSpPr txBox="1">
-            <a:spLocks noGrp="1"/>
-          </p:cNvSpPr>
-          <p:nvPr>
-            <p:ph type="title"/>
-          </p:nvPr>
-        </p:nvSpPr>
-        <p:spPr>
-          <a:xfrm>
-            <a:off x="457200" y="205978"/>
-            <a:ext cx="8229600" cy="857400"/>
-          </a:xfrm>
-          <a:prstGeom prst="rect">
-            <a:avLst/>
-          </a:prstGeom>
-        </p:spPr>
-        <p:txBody>
-          <a:bodyPr lIns="91425" tIns="91425" rIns="91425" bIns="91425" anchor="b" anchorCtr="0">
-            <a:noAutofit/>
-          </a:bodyPr>
-          <a:lstStyle/>
-          <a:p>
-            <a:pPr>
-              <a:spcBef>
-                <a:spcPts val="0"/>
-              </a:spcBef>
-              <a:buNone/>
-            </a:pPr>
-            <a:r>
-              <a:rPr lang="en"/>
-              <a:t>Activity Diagram (cont.)</a:t>
-            </a:r>
-          </a:p>
-        </p:txBody>
-      </p:sp>
-      <p:pic>
-        <p:nvPicPr>
-          <p:cNvPr id="4098" name="Picture 2" descr="C:\Users\Doni\Documents\GitHub\basdat-dan-psbo\activity diagram\AD Membuat Soal dan Jawaban.png"/>
-          <p:cNvPicPr>
-            <a:picLocks noChangeAspect="1" noChangeArrowheads="1"/>
-          </p:cNvPicPr>
-          <p:nvPr/>
-        </p:nvPicPr>
-        <p:blipFill>
-          <a:blip r:embed="rId3"/>
-          <a:srcRect/>
-          <a:stretch>
-            <a:fillRect/>
-          </a:stretch>
-        </p:blipFill>
-        <p:spPr bwMode="auto">
-          <a:xfrm>
-            <a:off x="1447800" y="1013879"/>
-            <a:ext cx="2819400" cy="4129621"/>
-          </a:xfrm>
-          <a:prstGeom prst="rect">
-            <a:avLst/>
-          </a:prstGeom>
-          <a:noFill/>
-        </p:spPr>
-      </p:pic>
-      <p:sp>
-        <p:nvSpPr>
-          <p:cNvPr id="5" name="Rectangle 4"/>
-          <p:cNvSpPr/>
-          <p:nvPr/>
-        </p:nvSpPr>
-        <p:spPr>
-          <a:xfrm>
-            <a:off x="4343400" y="2647950"/>
-            <a:ext cx="3886200" cy="400110"/>
-          </a:xfrm>
-          <a:prstGeom prst="rect">
-            <a:avLst/>
-          </a:prstGeom>
-        </p:spPr>
-        <p:txBody>
-          <a:bodyPr wrap="square">
-            <a:spAutoFit/>
-          </a:bodyPr>
-          <a:lstStyle/>
-          <a:p>
-            <a:r>
-              <a:rPr lang="en-US" sz="2000" dirty="0" err="1" smtClean="0">
-                <a:latin typeface="Bitstream Vera Sans Mono" pitchFamily="49" charset="0"/>
-              </a:rPr>
-              <a:t>Membuat</a:t>
-            </a:r>
-            <a:r>
-              <a:rPr lang="en-US" sz="2000" dirty="0" smtClean="0">
-                <a:latin typeface="Bitstream Vera Sans Mono" pitchFamily="49" charset="0"/>
-              </a:rPr>
-              <a:t> </a:t>
-            </a:r>
-            <a:r>
-              <a:rPr lang="en-US" sz="2000" dirty="0" err="1" smtClean="0">
-                <a:latin typeface="Bitstream Vera Sans Mono" pitchFamily="49" charset="0"/>
-              </a:rPr>
-              <a:t>Soal</a:t>
-            </a:r>
-            <a:r>
-              <a:rPr lang="en-US" sz="2000" dirty="0" smtClean="0">
-                <a:latin typeface="Bitstream Vera Sans Mono" pitchFamily="49" charset="0"/>
-              </a:rPr>
-              <a:t> </a:t>
-            </a:r>
-            <a:r>
-              <a:rPr lang="en-US" sz="2000" dirty="0" err="1" smtClean="0">
-                <a:latin typeface="Bitstream Vera Sans Mono" pitchFamily="49" charset="0"/>
-              </a:rPr>
-              <a:t>dan</a:t>
-            </a:r>
-            <a:r>
-              <a:rPr lang="en-US" sz="2000" dirty="0" smtClean="0">
-                <a:latin typeface="Bitstream Vera Sans Mono" pitchFamily="49" charset="0"/>
-              </a:rPr>
-              <a:t> </a:t>
-            </a:r>
-            <a:r>
-              <a:rPr lang="en-US" sz="2000" dirty="0" err="1" smtClean="0">
-                <a:latin typeface="Bitstream Vera Sans Mono" pitchFamily="49" charset="0"/>
-              </a:rPr>
-              <a:t>Jawaban</a:t>
-            </a:r>
-            <a:endParaRPr lang="id-ID" sz="2000" dirty="0">
-              <a:latin typeface="Bitstream Vera Sans Mono" pitchFamily="49" charset="0"/>
-            </a:endParaRPr>
-          </a:p>
-        </p:txBody>
-      </p:sp>
-    </p:spTree>
-  </p:cSld>
-  <p:clrMapOvr>
-    <a:masterClrMapping/>
-  </p:clrMapOvr>
-  <p:transition spd="slow">
-    <p:cut/>
-  </p:transition>
-  <p:timing>
-    <p:tnLst>
-      <p:par>
-        <p:cTn id="1" dur="indefinite" restart="never" nodeType="tmRoot"/>
-      </p:par>
-    </p:tnLst>
-  </p:timing>
-</p:sld>
-</file>
-
-<file path=ppt/slides/slide8.xml><?xml version="1.0" encoding="utf-8"?>
-<p:sld xmlns:a="http://schemas.openxmlformats.org/drawingml/2006/main" xmlns:r="http://schemas.openxmlformats.org/officeDocument/2006/relationships" xmlns:p="http://schemas.openxmlformats.org/presentationml/2006/main">
-  <p:cSld>
-    <p:spTree>
-      <p:nvGrpSpPr>
-        <p:cNvPr id="1" name="Shape 88"/>
-        <p:cNvGrpSpPr/>
-        <p:nvPr/>
-      </p:nvGrpSpPr>
-      <p:grpSpPr>
-        <a:xfrm>
-          <a:off x="0" y="0"/>
-          <a:ext cx="0" cy="0"/>
-          <a:chOff x="0" y="0"/>
-          <a:chExt cx="0" cy="0"/>
-        </a:xfrm>
-      </p:grpSpPr>
-      <p:sp>
-        <p:nvSpPr>
-          <p:cNvPr id="89" name="Shape 89"/>
-          <p:cNvSpPr txBox="1">
-            <a:spLocks noGrp="1"/>
-          </p:cNvSpPr>
-          <p:nvPr>
-            <p:ph type="title"/>
-          </p:nvPr>
-        </p:nvSpPr>
-        <p:spPr>
-          <a:xfrm>
-            <a:off x="457200" y="205978"/>
-            <a:ext cx="8229600" cy="857400"/>
-          </a:xfrm>
-          <a:prstGeom prst="rect">
-            <a:avLst/>
-          </a:prstGeom>
-        </p:spPr>
-        <p:txBody>
-          <a:bodyPr lIns="91425" tIns="91425" rIns="91425" bIns="91425" anchor="b" anchorCtr="0">
-            <a:noAutofit/>
-          </a:bodyPr>
-          <a:lstStyle/>
-          <a:p>
-            <a:pPr>
-              <a:spcBef>
-                <a:spcPts val="0"/>
-              </a:spcBef>
-              <a:buNone/>
-            </a:pPr>
-            <a:r>
-              <a:rPr lang="en"/>
-              <a:t>Activity Diagram (cont.)</a:t>
-            </a:r>
-          </a:p>
-        </p:txBody>
-      </p:sp>
-      <p:pic>
-        <p:nvPicPr>
-          <p:cNvPr id="5122" name="Picture 2" descr="C:\Users\Doni\Documents\GitHub\basdat-dan-psbo\activity diagram\AD Upload Materi.png"/>
-          <p:cNvPicPr>
-            <a:picLocks noChangeAspect="1" noChangeArrowheads="1"/>
-          </p:cNvPicPr>
-          <p:nvPr/>
-        </p:nvPicPr>
-        <p:blipFill>
-          <a:blip r:embed="rId3"/>
-          <a:srcRect/>
-          <a:stretch>
-            <a:fillRect/>
-          </a:stretch>
-        </p:blipFill>
-        <p:spPr bwMode="auto">
-          <a:xfrm>
-            <a:off x="1371600" y="1185617"/>
-            <a:ext cx="2819400" cy="3824533"/>
-          </a:xfrm>
-          <a:prstGeom prst="rect">
-            <a:avLst/>
-          </a:prstGeom>
-          <a:noFill/>
-        </p:spPr>
-      </p:pic>
-      <p:sp>
-        <p:nvSpPr>
-          <p:cNvPr id="4" name="Rectangle 3"/>
-          <p:cNvSpPr/>
-          <p:nvPr/>
-        </p:nvSpPr>
-        <p:spPr>
-          <a:xfrm>
-            <a:off x="4419600" y="2705040"/>
-            <a:ext cx="2185214" cy="400110"/>
-          </a:xfrm>
-          <a:prstGeom prst="rect">
-            <a:avLst/>
-          </a:prstGeom>
-        </p:spPr>
-        <p:txBody>
-          <a:bodyPr wrap="none">
-            <a:spAutoFit/>
-          </a:bodyPr>
-          <a:lstStyle/>
-          <a:p>
-            <a:r>
-              <a:rPr lang="en-US" sz="2000" dirty="0" smtClean="0">
-                <a:latin typeface="Bitstream Vera Sans Mono" pitchFamily="49" charset="0"/>
-              </a:rPr>
-              <a:t>Upload </a:t>
-            </a:r>
-            <a:r>
-              <a:rPr lang="en-US" sz="2000" dirty="0" err="1" smtClean="0">
-                <a:latin typeface="Bitstream Vera Sans Mono" pitchFamily="49" charset="0"/>
-              </a:rPr>
-              <a:t>Materi</a:t>
-            </a:r>
-            <a:endParaRPr lang="id-ID" sz="2000" dirty="0">
-              <a:latin typeface="Bitstream Vera Sans Mono" pitchFamily="49" charset="0"/>
-            </a:endParaRPr>
-          </a:p>
-        </p:txBody>
-      </p:sp>
-    </p:spTree>
-  </p:cSld>
-  <p:clrMapOvr>
-    <a:masterClrMapping/>
-  </p:clrMapOvr>
-  <p:transition spd="slow">
-    <p:cut/>
-  </p:transition>
-  <p:timing>
-    <p:tnLst>
-      <p:par>
-        <p:cTn id="1" dur="indefinite" restart="never" nodeType="tmRoot"/>
-      </p:par>
-    </p:tnLst>
-  </p:timing>
-</p:sld>
-</file>
-
-<file path=ppt/slides/slide9.xml><?xml version="1.0" encoding="utf-8"?>
-<p:sld xmlns:a="http://schemas.openxmlformats.org/drawingml/2006/main" xmlns:r="http://schemas.openxmlformats.org/officeDocument/2006/relationships" xmlns:p="http://schemas.openxmlformats.org/presentationml/2006/main">
-  <p:cSld>
-    <p:spTree>
-      <p:nvGrpSpPr>
-        <p:cNvPr id="1" name="Shape 88"/>
-        <p:cNvGrpSpPr/>
-        <p:nvPr/>
-      </p:nvGrpSpPr>
-      <p:grpSpPr>
-        <a:xfrm>
-          <a:off x="0" y="0"/>
-          <a:ext cx="0" cy="0"/>
-          <a:chOff x="0" y="0"/>
-          <a:chExt cx="0" cy="0"/>
-        </a:xfrm>
-      </p:grpSpPr>
-      <p:sp>
-        <p:nvSpPr>
-          <p:cNvPr id="89" name="Shape 89"/>
-          <p:cNvSpPr txBox="1">
-            <a:spLocks noGrp="1"/>
-          </p:cNvSpPr>
-          <p:nvPr>
-            <p:ph type="title"/>
-          </p:nvPr>
-        </p:nvSpPr>
-        <p:spPr>
-          <a:xfrm>
-            <a:off x="457200" y="205978"/>
-            <a:ext cx="8229600" cy="857400"/>
-          </a:xfrm>
-          <a:prstGeom prst="rect">
-            <a:avLst/>
-          </a:prstGeom>
-        </p:spPr>
-        <p:txBody>
-          <a:bodyPr lIns="91425" tIns="91425" rIns="91425" bIns="91425" anchor="b" anchorCtr="0">
-            <a:noAutofit/>
-          </a:bodyPr>
-          <a:lstStyle/>
-          <a:p>
-            <a:pPr>
-              <a:spcBef>
-                <a:spcPts val="0"/>
-              </a:spcBef>
-              <a:buNone/>
-            </a:pPr>
-            <a:r>
-              <a:rPr lang="en" dirty="0"/>
-              <a:t>Activity Diagram (cont.)</a:t>
-            </a:r>
-          </a:p>
-        </p:txBody>
-      </p:sp>
-      <p:pic>
-        <p:nvPicPr>
-          <p:cNvPr id="6146" name="Picture 2" descr="C:\Users\Doni\Documents\GitHub\basdat-dan-psbo\activity diagram\Melihat hasil tes.png"/>
-          <p:cNvPicPr>
-            <a:picLocks noChangeAspect="1" noChangeArrowheads="1"/>
-          </p:cNvPicPr>
-          <p:nvPr/>
-        </p:nvPicPr>
-        <p:blipFill>
-          <a:blip r:embed="rId3"/>
-          <a:srcRect/>
-          <a:stretch>
-            <a:fillRect/>
-          </a:stretch>
-        </p:blipFill>
-        <p:spPr bwMode="auto">
-          <a:xfrm>
-            <a:off x="1219200" y="1047750"/>
-            <a:ext cx="3711575" cy="3777736"/>
-          </a:xfrm>
-          <a:prstGeom prst="rect">
-            <a:avLst/>
-          </a:prstGeom>
-          <a:noFill/>
-        </p:spPr>
-      </p:pic>
-      <p:sp>
-        <p:nvSpPr>
-          <p:cNvPr id="4" name="Rectangle 3"/>
-          <p:cNvSpPr/>
-          <p:nvPr/>
-        </p:nvSpPr>
-        <p:spPr>
-          <a:xfrm>
-            <a:off x="5029200" y="2571750"/>
-            <a:ext cx="2800767" cy="400110"/>
-          </a:xfrm>
-          <a:prstGeom prst="rect">
-            <a:avLst/>
-          </a:prstGeom>
-        </p:spPr>
-        <p:txBody>
-          <a:bodyPr wrap="none">
-            <a:spAutoFit/>
-          </a:bodyPr>
-          <a:lstStyle/>
-          <a:p>
-            <a:r>
-              <a:rPr lang="en-US" sz="2000" dirty="0" err="1" smtClean="0">
-                <a:latin typeface="Bitstream Vera Sans Mono" pitchFamily="49" charset="0"/>
-              </a:rPr>
-              <a:t>Melihat</a:t>
-            </a:r>
-            <a:r>
-              <a:rPr lang="en-US" sz="2000" dirty="0" smtClean="0">
-                <a:latin typeface="Bitstream Vera Sans Mono" pitchFamily="49" charset="0"/>
-              </a:rPr>
-              <a:t> </a:t>
-            </a:r>
-            <a:r>
-              <a:rPr lang="en-US" sz="2000" dirty="0" err="1" smtClean="0">
-                <a:latin typeface="Bitstream Vera Sans Mono" pitchFamily="49" charset="0"/>
-              </a:rPr>
-              <a:t>hasil</a:t>
-            </a:r>
-            <a:r>
-              <a:rPr lang="en-US" sz="2000" dirty="0" smtClean="0">
-                <a:latin typeface="Bitstream Vera Sans Mono" pitchFamily="49" charset="0"/>
-              </a:rPr>
-              <a:t> </a:t>
-            </a:r>
-            <a:r>
-              <a:rPr lang="en-US" sz="2000" dirty="0" err="1" smtClean="0">
-                <a:latin typeface="Bitstream Vera Sans Mono" pitchFamily="49" charset="0"/>
-              </a:rPr>
-              <a:t>tes</a:t>
-            </a:r>
-            <a:endParaRPr lang="id-ID" sz="2000" dirty="0">
-              <a:latin typeface="Bitstream Vera Sans Mono" pitchFamily="49" charset="0"/>
-            </a:endParaRPr>
-          </a:p>
-        </p:txBody>
-      </p:sp>
-    </p:spTree>
-  </p:cSld>
-  <p:clrMapOvr>
-    <a:masterClrMapping/>
-  </p:clrMapOvr>
-  <p:transition spd="slow">
-    <p:cut/>
-  </p:transition>
-  <p:timing>
-    <p:tnLst>
-      <p:par>
-        <p:cTn id="1" dur="indefinite" restart="never" nodeType="tmRoot"/>
-      </p:par>
-    </p:tnLst>
-  </p:timing>
 </p:sld>
 </file>
 
